--- a/Maquette.pptx
+++ b/Maquette.pptx
@@ -104,6 +104,11 @@
       </a:defRPr>
     </a:lvl9pPr>
   </p:defaultTextStyle>
+  <p:extLst>
+    <p:ext uri="{EFAFB233-063F-42B5-8137-9DF3F51BA10A}">
+      <p15:sldGuideLst xmlns:p15="http://schemas.microsoft.com/office/powerpoint/2012/main"/>
+    </p:ext>
+  </p:extLst>
 </p:presentation>
 </file>
 
@@ -254,7 +259,7 @@
           <a:p>
             <a:fld id="{63AD295E-B7B5-4EFF-A330-1209DDB2B95C}" type="datetimeFigureOut">
               <a:rPr lang="fr-FR" smtClean="0"/>
-              <a:t>30/04/2024</a:t>
+              <a:t>02/05/2024</a:t>
             </a:fld>
             <a:endParaRPr lang="fr-FR"/>
           </a:p>
@@ -452,7 +457,7 @@
           <a:p>
             <a:fld id="{63AD295E-B7B5-4EFF-A330-1209DDB2B95C}" type="datetimeFigureOut">
               <a:rPr lang="fr-FR" smtClean="0"/>
-              <a:t>30/04/2024</a:t>
+              <a:t>02/05/2024</a:t>
             </a:fld>
             <a:endParaRPr lang="fr-FR"/>
           </a:p>
@@ -660,7 +665,7 @@
           <a:p>
             <a:fld id="{63AD295E-B7B5-4EFF-A330-1209DDB2B95C}" type="datetimeFigureOut">
               <a:rPr lang="fr-FR" smtClean="0"/>
-              <a:t>30/04/2024</a:t>
+              <a:t>02/05/2024</a:t>
             </a:fld>
             <a:endParaRPr lang="fr-FR"/>
           </a:p>
@@ -858,7 +863,7 @@
           <a:p>
             <a:fld id="{63AD295E-B7B5-4EFF-A330-1209DDB2B95C}" type="datetimeFigureOut">
               <a:rPr lang="fr-FR" smtClean="0"/>
-              <a:t>30/04/2024</a:t>
+              <a:t>02/05/2024</a:t>
             </a:fld>
             <a:endParaRPr lang="fr-FR"/>
           </a:p>
@@ -1133,7 +1138,7 @@
           <a:p>
             <a:fld id="{63AD295E-B7B5-4EFF-A330-1209DDB2B95C}" type="datetimeFigureOut">
               <a:rPr lang="fr-FR" smtClean="0"/>
-              <a:t>30/04/2024</a:t>
+              <a:t>02/05/2024</a:t>
             </a:fld>
             <a:endParaRPr lang="fr-FR"/>
           </a:p>
@@ -1398,7 +1403,7 @@
           <a:p>
             <a:fld id="{63AD295E-B7B5-4EFF-A330-1209DDB2B95C}" type="datetimeFigureOut">
               <a:rPr lang="fr-FR" smtClean="0"/>
-              <a:t>30/04/2024</a:t>
+              <a:t>02/05/2024</a:t>
             </a:fld>
             <a:endParaRPr lang="fr-FR"/>
           </a:p>
@@ -1810,7 +1815,7 @@
           <a:p>
             <a:fld id="{63AD295E-B7B5-4EFF-A330-1209DDB2B95C}" type="datetimeFigureOut">
               <a:rPr lang="fr-FR" smtClean="0"/>
-              <a:t>30/04/2024</a:t>
+              <a:t>02/05/2024</a:t>
             </a:fld>
             <a:endParaRPr lang="fr-FR"/>
           </a:p>
@@ -1951,7 +1956,7 @@
           <a:p>
             <a:fld id="{63AD295E-B7B5-4EFF-A330-1209DDB2B95C}" type="datetimeFigureOut">
               <a:rPr lang="fr-FR" smtClean="0"/>
-              <a:t>30/04/2024</a:t>
+              <a:t>02/05/2024</a:t>
             </a:fld>
             <a:endParaRPr lang="fr-FR"/>
           </a:p>
@@ -2064,7 +2069,7 @@
           <a:p>
             <a:fld id="{63AD295E-B7B5-4EFF-A330-1209DDB2B95C}" type="datetimeFigureOut">
               <a:rPr lang="fr-FR" smtClean="0"/>
-              <a:t>30/04/2024</a:t>
+              <a:t>02/05/2024</a:t>
             </a:fld>
             <a:endParaRPr lang="fr-FR"/>
           </a:p>
@@ -2375,7 +2380,7 @@
           <a:p>
             <a:fld id="{63AD295E-B7B5-4EFF-A330-1209DDB2B95C}" type="datetimeFigureOut">
               <a:rPr lang="fr-FR" smtClean="0"/>
-              <a:t>30/04/2024</a:t>
+              <a:t>02/05/2024</a:t>
             </a:fld>
             <a:endParaRPr lang="fr-FR"/>
           </a:p>
@@ -2663,7 +2668,7 @@
           <a:p>
             <a:fld id="{63AD295E-B7B5-4EFF-A330-1209DDB2B95C}" type="datetimeFigureOut">
               <a:rPr lang="fr-FR" smtClean="0"/>
-              <a:t>30/04/2024</a:t>
+              <a:t>02/05/2024</a:t>
             </a:fld>
             <a:endParaRPr lang="fr-FR"/>
           </a:p>
@@ -2904,7 +2909,7 @@
           <a:p>
             <a:fld id="{63AD295E-B7B5-4EFF-A330-1209DDB2B95C}" type="datetimeFigureOut">
               <a:rPr lang="fr-FR" smtClean="0"/>
-              <a:t>30/04/2024</a:t>
+              <a:t>02/05/2024</a:t>
             </a:fld>
             <a:endParaRPr lang="fr-FR"/>
           </a:p>
@@ -3351,13 +3356,30 @@
           </a:ln>
         </p:spPr>
         <p:txBody>
-          <a:bodyPr/>
+          <a:bodyPr>
+            <a:normAutofit/>
+          </a:bodyPr>
           <a:lstStyle/>
           <a:p>
             <a:pPr algn="l"/>
-            <a:r>
-              <a:rPr lang="fr-FR" dirty="0"/>
-              <a:t>Contacts</a:t>
+            <a:endParaRPr lang="fr-FR" sz="100" dirty="0"/>
+          </a:p>
+          <a:p>
+            <a:pPr algn="l"/>
+            <a:r>
+              <a:rPr lang="fr-FR" sz="1400" dirty="0"/>
+              <a:t>Contacts   Accueil </a:t>
+            </a:r>
+            <a:r>
+              <a:rPr lang="fr-FR" sz="1400" dirty="0">
+                <a:solidFill>
+                  <a:schemeClr val="tx1">
+                    <a:lumMod val="50000"/>
+                    <a:lumOff val="50000"/>
+                  </a:schemeClr>
+                </a:solidFill>
+              </a:rPr>
+              <a:t>Ajouter un contact</a:t>
             </a:r>
           </a:p>
         </p:txBody>
@@ -3376,8 +3398,8 @@
         </p:nvSpPr>
         <p:spPr>
           <a:xfrm>
-            <a:off x="1554192" y="508958"/>
-            <a:ext cx="9083615" cy="830997"/>
+            <a:off x="1680234" y="1217006"/>
+            <a:ext cx="9083615" cy="307777"/>
           </a:xfrm>
           <a:prstGeom prst="rect">
             <a:avLst/>
@@ -3391,27 +3413,18 @@
           <a:lstStyle/>
           <a:p>
             <a:r>
-              <a:rPr lang="fr-FR" dirty="0"/>
+              <a:rPr lang="fr-FR" sz="1400" dirty="0"/>
               <a:t>Liste des contacts</a:t>
             </a:r>
           </a:p>
-          <a:p>
-            <a:endParaRPr lang="fr-FR" sz="1000" dirty="0"/>
-          </a:p>
-          <a:p>
-            <a:r>
-              <a:rPr lang="fr-FR" dirty="0"/>
-              <a:t>Mots clés</a:t>
-            </a:r>
-          </a:p>
-        </p:txBody>
-      </p:sp>
-      <p:sp>
-        <p:nvSpPr>
-          <p:cNvPr id="5" name="Rectangle 4">
-            <a:extLst>
-              <a:ext uri="{FF2B5EF4-FFF2-40B4-BE49-F238E27FC236}">
-                <a16:creationId xmlns:a16="http://schemas.microsoft.com/office/drawing/2014/main" id="{F36F1648-5AF0-1B2C-F58C-0A74185816E6}"/>
+        </p:txBody>
+      </p:sp>
+      <p:sp>
+        <p:nvSpPr>
+          <p:cNvPr id="6" name="Rectangle : coins arrondis 5">
+            <a:extLst>
+              <a:ext uri="{FF2B5EF4-FFF2-40B4-BE49-F238E27FC236}">
+                <a16:creationId xmlns:a16="http://schemas.microsoft.com/office/drawing/2014/main" id="{61C3330E-884B-1D77-19DF-0195576A3BD2}"/>
               </a:ext>
             </a:extLst>
           </p:cNvPr>
@@ -3420,68 +3433,14 @@
         </p:nvSpPr>
         <p:spPr>
           <a:xfrm>
-            <a:off x="2708694" y="992038"/>
-            <a:ext cx="1932317" cy="284021"/>
-          </a:xfrm>
-          <a:prstGeom prst="rect">
-            <a:avLst/>
-          </a:prstGeom>
-          <a:noFill/>
-          <a:ln>
-            <a:solidFill>
-              <a:schemeClr val="bg1">
-                <a:lumMod val="65000"/>
-              </a:schemeClr>
-            </a:solidFill>
-          </a:ln>
-        </p:spPr>
-        <p:style>
-          <a:lnRef idx="2">
-            <a:schemeClr val="accent1">
-              <a:shade val="15000"/>
-            </a:schemeClr>
-          </a:lnRef>
-          <a:fillRef idx="1">
-            <a:schemeClr val="accent1"/>
-          </a:fillRef>
-          <a:effectRef idx="0">
-            <a:schemeClr val="accent1"/>
-          </a:effectRef>
-          <a:fontRef idx="minor">
-            <a:schemeClr val="lt1"/>
-          </a:fontRef>
-        </p:style>
-        <p:txBody>
-          <a:bodyPr rtlCol="0" anchor="ctr"/>
-          <a:lstStyle/>
-          <a:p>
-            <a:pPr algn="ctr"/>
-            <a:endParaRPr lang="fr-FR"/>
-          </a:p>
-        </p:txBody>
-      </p:sp>
-      <p:sp>
-        <p:nvSpPr>
-          <p:cNvPr id="6" name="Rectangle : coins arrondis 5">
-            <a:extLst>
-              <a:ext uri="{FF2B5EF4-FFF2-40B4-BE49-F238E27FC236}">
-                <a16:creationId xmlns:a16="http://schemas.microsoft.com/office/drawing/2014/main" id="{61C3330E-884B-1D77-19DF-0195576A3BD2}"/>
-              </a:ext>
-            </a:extLst>
-          </p:cNvPr>
-          <p:cNvSpPr/>
-          <p:nvPr/>
-        </p:nvSpPr>
-        <p:spPr>
-          <a:xfrm>
-            <a:off x="4779034" y="923026"/>
+            <a:off x="10972800" y="65499"/>
             <a:ext cx="1086927" cy="416929"/>
           </a:xfrm>
           <a:prstGeom prst="roundRect">
             <a:avLst/>
           </a:prstGeom>
           <a:solidFill>
-            <a:srgbClr val="3591DA"/>
+            <a:srgbClr val="4CAF50"/>
           </a:solidFill>
           <a:ln>
             <a:noFill/>
@@ -3531,7 +3490,7 @@
           <p:nvPr>
             <p:extLst>
               <p:ext uri="{D42A27DB-BD31-4B8C-83A1-F6EECF244321}">
-                <p14:modId xmlns:p14="http://schemas.microsoft.com/office/powerpoint/2010/main" val="679205508"/>
+                <p14:modId xmlns:p14="http://schemas.microsoft.com/office/powerpoint/2010/main" val="2089799408"/>
               </p:ext>
             </p:extLst>
           </p:nvPr>
@@ -3598,7 +3557,7 @@
                     <a:p>
                       <a:pPr algn="l"/>
                       <a:r>
-                        <a:rPr lang="fr-FR" sz="1600" dirty="0">
+                        <a:rPr lang="fr-FR" sz="1400" dirty="0">
                           <a:solidFill>
                             <a:schemeClr val="tx1"/>
                           </a:solidFill>
@@ -3629,7 +3588,7 @@
                     <a:p>
                       <a:pPr algn="l"/>
                       <a:r>
-                        <a:rPr lang="fr-FR" sz="1600" dirty="0">
+                        <a:rPr lang="fr-FR" sz="1400" dirty="0">
                           <a:solidFill>
                             <a:schemeClr val="tx1"/>
                           </a:solidFill>
@@ -3660,7 +3619,7 @@
                     <a:p>
                       <a:pPr algn="l"/>
                       <a:r>
-                        <a:rPr lang="fr-FR" sz="1600" dirty="0">
+                        <a:rPr lang="fr-FR" sz="1400" dirty="0">
                           <a:solidFill>
                             <a:schemeClr val="tx1"/>
                           </a:solidFill>
@@ -3691,7 +3650,7 @@
                     <a:p>
                       <a:pPr algn="l"/>
                       <a:r>
-                        <a:rPr lang="fr-FR" sz="1600" dirty="0">
+                        <a:rPr lang="fr-FR" sz="1400" dirty="0">
                           <a:solidFill>
                             <a:schemeClr val="tx1"/>
                           </a:solidFill>
@@ -3722,7 +3681,7 @@
                     <a:p>
                       <a:pPr algn="l"/>
                       <a:r>
-                        <a:rPr lang="fr-FR" sz="1600" dirty="0">
+                        <a:rPr lang="fr-FR" sz="1400" dirty="0">
                           <a:solidFill>
                             <a:schemeClr val="tx1"/>
                           </a:solidFill>
@@ -3753,7 +3712,7 @@
                     <a:p>
                       <a:pPr algn="l"/>
                       <a:r>
-                        <a:rPr lang="fr-FR" sz="1600" dirty="0">
+                        <a:rPr lang="fr-FR" sz="1400" dirty="0">
                           <a:solidFill>
                             <a:schemeClr val="tx1"/>
                           </a:solidFill>
@@ -3791,7 +3750,7 @@
                     <a:p>
                       <a:pPr algn="l"/>
                       <a:r>
-                        <a:rPr lang="fr-FR" sz="1200" b="0" dirty="0">
+                        <a:rPr lang="fr-FR" sz="1100" b="0" dirty="0">
                           <a:solidFill>
                             <a:schemeClr val="tx1"/>
                           </a:solidFill>
@@ -3831,7 +3790,7 @@
                     <a:p>
                       <a:pPr algn="l"/>
                       <a:r>
-                        <a:rPr lang="fr-FR" sz="1200" b="0" dirty="0" err="1">
+                        <a:rPr lang="fr-FR" sz="1100" b="0" dirty="0" err="1">
                           <a:solidFill>
                             <a:schemeClr val="tx1"/>
                           </a:solidFill>
@@ -3840,7 +3799,7 @@
                         </a:rPr>
                         <a:t>Manex</a:t>
                       </a:r>
-                      <a:endParaRPr lang="fr-FR" sz="1200" b="0" dirty="0">
+                      <a:endParaRPr lang="fr-FR" sz="1100" b="0" dirty="0">
                         <a:solidFill>
                           <a:schemeClr val="tx1"/>
                         </a:solidFill>
@@ -3877,7 +3836,7 @@
                     <a:lstStyle/>
                     <a:p>
                       <a:pPr algn="l"/>
-                      <a:endParaRPr lang="fr-FR" sz="1200" b="0" dirty="0">
+                      <a:endParaRPr lang="fr-FR" sz="1100" b="0" dirty="0">
                         <a:solidFill>
                           <a:schemeClr val="tx1"/>
                         </a:solidFill>
@@ -3915,7 +3874,7 @@
                     <a:p>
                       <a:pPr algn="l"/>
                       <a:r>
-                        <a:rPr lang="fr-FR" sz="1200" b="0" dirty="0">
+                        <a:rPr lang="fr-FR" sz="1100" b="0" dirty="0">
                           <a:solidFill>
                             <a:schemeClr val="tx1"/>
                           </a:solidFill>
@@ -3955,7 +3914,7 @@
                     <a:p>
                       <a:pPr algn="l"/>
                       <a:r>
-                        <a:rPr lang="fr-FR" sz="1200" b="0" dirty="0">
+                        <a:rPr lang="fr-FR" sz="1100" b="0" dirty="0">
                           <a:solidFill>
                             <a:schemeClr val="tx1"/>
                           </a:solidFill>
@@ -3994,7 +3953,7 @@
                     <a:lstStyle/>
                     <a:p>
                       <a:pPr algn="l"/>
-                      <a:endParaRPr lang="fr-FR" sz="1200" b="0" dirty="0">
+                      <a:endParaRPr lang="fr-FR" sz="1100" b="0" dirty="0">
                         <a:solidFill>
                           <a:schemeClr val="tx1"/>
                         </a:solidFill>
@@ -4039,7 +3998,7 @@
                     <a:p>
                       <a:pPr algn="l"/>
                       <a:r>
-                        <a:rPr lang="fr-FR" sz="1200" b="0" dirty="0">
+                        <a:rPr lang="fr-FR" sz="1100" b="0" dirty="0">
                           <a:solidFill>
                             <a:schemeClr val="tx1"/>
                           </a:solidFill>
@@ -4079,7 +4038,7 @@
                     <a:p>
                       <a:pPr algn="l"/>
                       <a:r>
-                        <a:rPr lang="fr-FR" sz="1200" b="0" dirty="0">
+                        <a:rPr lang="fr-FR" sz="1100" b="0" dirty="0">
                           <a:solidFill>
                             <a:schemeClr val="tx1"/>
                           </a:solidFill>
@@ -4119,7 +4078,7 @@
                     <a:p>
                       <a:pPr algn="l"/>
                       <a:r>
-                        <a:rPr lang="fr-FR" sz="1200" b="0" dirty="0" err="1">
+                        <a:rPr lang="fr-FR" sz="1100" b="0" dirty="0" err="1">
                           <a:solidFill>
                             <a:schemeClr val="tx1"/>
                           </a:solidFill>
@@ -4128,7 +4087,7 @@
                         </a:rPr>
                         <a:t>thsgw</a:t>
                       </a:r>
-                      <a:endParaRPr lang="fr-FR" sz="1200" b="0" dirty="0">
+                      <a:endParaRPr lang="fr-FR" sz="1100" b="0" dirty="0">
                         <a:solidFill>
                           <a:schemeClr val="tx1"/>
                         </a:solidFill>
@@ -4166,7 +4125,7 @@
                     <a:p>
                       <a:pPr algn="l"/>
                       <a:r>
-                        <a:rPr lang="fr-FR" sz="1200" b="0" dirty="0">
+                        <a:rPr lang="fr-FR" sz="1100" b="0" dirty="0">
                           <a:solidFill>
                             <a:schemeClr val="tx1"/>
                           </a:solidFill>
@@ -4205,7 +4164,7 @@
                     <a:lstStyle/>
                     <a:p>
                       <a:pPr algn="l"/>
-                      <a:endParaRPr lang="fr-FR" sz="1200" b="0" dirty="0">
+                      <a:endParaRPr lang="fr-FR" sz="1100" b="0" dirty="0">
                         <a:solidFill>
                           <a:schemeClr val="tx1"/>
                         </a:solidFill>
@@ -4242,7 +4201,7 @@
                     <a:lstStyle/>
                     <a:p>
                       <a:pPr algn="l"/>
-                      <a:endParaRPr lang="fr-FR" sz="1200" b="0" dirty="0">
+                      <a:endParaRPr lang="fr-FR" sz="1100" b="0" dirty="0">
                         <a:solidFill>
                           <a:schemeClr val="tx1"/>
                         </a:solidFill>
@@ -4287,7 +4246,7 @@
                     <a:p>
                       <a:pPr algn="l"/>
                       <a:r>
-                        <a:rPr lang="fr-FR" sz="1200" b="0" dirty="0">
+                        <a:rPr lang="fr-FR" sz="1100" b="0" dirty="0">
                           <a:solidFill>
                             <a:schemeClr val="tx1"/>
                           </a:solidFill>
@@ -4327,7 +4286,7 @@
                     <a:p>
                       <a:pPr algn="l"/>
                       <a:r>
-                        <a:rPr lang="fr-FR" sz="1200" b="0" dirty="0">
+                        <a:rPr lang="fr-FR" sz="1100" b="0" dirty="0">
                           <a:solidFill>
                             <a:schemeClr val="tx1"/>
                           </a:solidFill>
@@ -4367,7 +4326,7 @@
                     <a:p>
                       <a:pPr algn="l"/>
                       <a:r>
-                        <a:rPr lang="fr-FR" sz="1200" b="0" dirty="0" err="1">
+                        <a:rPr lang="fr-FR" sz="1100" b="0" dirty="0" err="1">
                           <a:solidFill>
                             <a:schemeClr val="tx1"/>
                           </a:solidFill>
@@ -4376,7 +4335,7 @@
                         </a:rPr>
                         <a:t>hoigt</a:t>
                       </a:r>
-                      <a:endParaRPr lang="fr-FR" sz="1200" b="0" dirty="0">
+                      <a:endParaRPr lang="fr-FR" sz="1100" b="0" dirty="0">
                         <a:solidFill>
                           <a:schemeClr val="tx1"/>
                         </a:solidFill>
@@ -4414,7 +4373,7 @@
                     <a:p>
                       <a:pPr algn="l"/>
                       <a:r>
-                        <a:rPr lang="fr-FR" sz="1200" b="0" dirty="0">
+                        <a:rPr lang="fr-FR" sz="1100" b="0" dirty="0">
                           <a:solidFill>
                             <a:schemeClr val="tx1"/>
                           </a:solidFill>
@@ -4454,7 +4413,7 @@
                     <a:p>
                       <a:pPr algn="l"/>
                       <a:r>
-                        <a:rPr lang="fr-FR" sz="1200" b="0" dirty="0">
+                        <a:rPr lang="fr-FR" sz="1100" b="0" dirty="0">
                           <a:solidFill>
                             <a:schemeClr val="tx1"/>
                           </a:solidFill>
@@ -4493,7 +4452,7 @@
                     <a:lstStyle/>
                     <a:p>
                       <a:pPr algn="l"/>
-                      <a:endParaRPr lang="fr-FR" sz="1200" b="0" dirty="0">
+                      <a:endParaRPr lang="fr-FR" sz="1100" b="0" dirty="0">
                         <a:solidFill>
                           <a:schemeClr val="tx1"/>
                         </a:solidFill>
@@ -4538,7 +4497,7 @@
                     <a:p>
                       <a:pPr algn="l"/>
                       <a:r>
-                        <a:rPr lang="fr-FR" sz="1200" b="0" dirty="0">
+                        <a:rPr lang="fr-FR" sz="1100" b="0" dirty="0">
                           <a:solidFill>
                             <a:schemeClr val="tx1"/>
                           </a:solidFill>
@@ -4578,7 +4537,7 @@
                     <a:p>
                       <a:pPr algn="l"/>
                       <a:r>
-                        <a:rPr lang="fr-FR" sz="1200" b="0" dirty="0">
+                        <a:rPr lang="fr-FR" sz="1100" b="0" dirty="0">
                           <a:solidFill>
                             <a:schemeClr val="tx1"/>
                           </a:solidFill>
@@ -4618,7 +4577,7 @@
                     <a:p>
                       <a:pPr algn="l"/>
                       <a:r>
-                        <a:rPr lang="fr-FR" sz="1200" b="0" dirty="0" err="1">
+                        <a:rPr lang="fr-FR" sz="1100" b="0" dirty="0" err="1">
                           <a:solidFill>
                             <a:schemeClr val="tx1"/>
                           </a:solidFill>
@@ -4627,7 +4586,7 @@
                         </a:rPr>
                         <a:t>utyypt</a:t>
                       </a:r>
-                      <a:endParaRPr lang="fr-FR" sz="1200" b="0" dirty="0">
+                      <a:endParaRPr lang="fr-FR" sz="1100" b="0" dirty="0">
                         <a:solidFill>
                           <a:schemeClr val="tx1"/>
                         </a:solidFill>
@@ -4664,7 +4623,7 @@
                     <a:lstStyle/>
                     <a:p>
                       <a:pPr algn="l"/>
-                      <a:endParaRPr lang="fr-FR" sz="1200" b="0" dirty="0">
+                      <a:endParaRPr lang="fr-FR" sz="1100" b="0" dirty="0">
                         <a:solidFill>
                           <a:schemeClr val="tx1"/>
                         </a:solidFill>
@@ -4701,7 +4660,7 @@
                     <a:lstStyle/>
                     <a:p>
                       <a:pPr algn="l"/>
-                      <a:endParaRPr lang="fr-FR" sz="1200" b="0" dirty="0">
+                      <a:endParaRPr lang="fr-FR" sz="1100" b="0" dirty="0">
                         <a:solidFill>
                           <a:schemeClr val="tx1"/>
                         </a:solidFill>
@@ -4739,7 +4698,7 @@
                     <a:p>
                       <a:pPr algn="l"/>
                       <a:r>
-                        <a:rPr lang="fr-FR" sz="1200" b="0" dirty="0">
+                        <a:rPr lang="fr-FR" sz="1100" b="0" dirty="0">
                           <a:solidFill>
                             <a:schemeClr val="tx1"/>
                           </a:solidFill>
@@ -4749,7 +4708,7 @@
                         <a:t>Rue de </a:t>
                       </a:r>
                       <a:r>
-                        <a:rPr lang="fr-FR" sz="1200" b="0" dirty="0" err="1">
+                        <a:rPr lang="fr-FR" sz="1100" b="0" dirty="0" err="1">
                           <a:solidFill>
                             <a:schemeClr val="tx1"/>
                           </a:solidFill>
@@ -4759,7 +4718,7 @@
                         <a:t>Leeroy</a:t>
                       </a:r>
                       <a:r>
-                        <a:rPr lang="fr-FR" sz="1200" b="0" dirty="0">
+                        <a:rPr lang="fr-FR" sz="1100" b="0" dirty="0">
                           <a:solidFill>
                             <a:schemeClr val="tx1"/>
                           </a:solidFill>
@@ -4806,7 +4765,7 @@
                     <a:p>
                       <a:pPr algn="l"/>
                       <a:r>
-                        <a:rPr lang="fr-FR" sz="1200" b="0" dirty="0">
+                        <a:rPr lang="fr-FR" sz="1100" b="0" dirty="0">
                           <a:solidFill>
                             <a:schemeClr val="tx1"/>
                           </a:solidFill>
@@ -4846,7 +4805,7 @@
                     <a:p>
                       <a:pPr algn="l"/>
                       <a:r>
-                        <a:rPr lang="fr-FR" sz="1200" b="0" dirty="0">
+                        <a:rPr lang="fr-FR" sz="1100" b="0" dirty="0">
                           <a:solidFill>
                             <a:schemeClr val="tx1"/>
                           </a:solidFill>
@@ -4885,7 +4844,7 @@
                     <a:lstStyle/>
                     <a:p>
                       <a:pPr algn="l"/>
-                      <a:endParaRPr lang="fr-FR" sz="1200" b="0" dirty="0">
+                      <a:endParaRPr lang="fr-FR" sz="1100" b="0" dirty="0">
                         <a:solidFill>
                           <a:schemeClr val="tx1"/>
                         </a:solidFill>
@@ -4922,7 +4881,7 @@
                     <a:lstStyle/>
                     <a:p>
                       <a:pPr algn="l"/>
-                      <a:endParaRPr lang="fr-FR" sz="1200" b="0" dirty="0">
+                      <a:endParaRPr lang="fr-FR" sz="1100" b="0" dirty="0">
                         <a:solidFill>
                           <a:schemeClr val="tx1"/>
                         </a:solidFill>
@@ -4960,7 +4919,7 @@
                     <a:p>
                       <a:pPr algn="l"/>
                       <a:r>
-                        <a:rPr lang="fr-FR" sz="1200" b="0" dirty="0">
+                        <a:rPr lang="fr-FR" sz="1100" b="0" dirty="0">
                           <a:solidFill>
                             <a:schemeClr val="tx1"/>
                           </a:solidFill>
@@ -4999,7 +4958,7 @@
                     <a:lstStyle/>
                     <a:p>
                       <a:pPr algn="l"/>
-                      <a:endParaRPr lang="fr-FR" sz="1200" b="0" dirty="0">
+                      <a:endParaRPr lang="fr-FR" sz="1100" b="0" dirty="0">
                         <a:solidFill>
                           <a:schemeClr val="tx1"/>
                         </a:solidFill>
@@ -5044,7 +5003,7 @@
                     <a:p>
                       <a:pPr algn="l"/>
                       <a:r>
-                        <a:rPr lang="fr-FR" sz="1200" b="0" dirty="0">
+                        <a:rPr lang="fr-FR" sz="1100" b="0" dirty="0">
                           <a:solidFill>
                             <a:schemeClr val="tx1"/>
                           </a:solidFill>
@@ -5084,7 +5043,7 @@
                     <a:p>
                       <a:pPr algn="l"/>
                       <a:r>
-                        <a:rPr lang="fr-FR" sz="1200" b="0" dirty="0" err="1">
+                        <a:rPr lang="fr-FR" sz="1100" b="0" dirty="0" err="1">
                           <a:solidFill>
                             <a:schemeClr val="tx1"/>
                           </a:solidFill>
@@ -5093,7 +5052,7 @@
                         </a:rPr>
                         <a:t>Alejandra</a:t>
                       </a:r>
-                      <a:endParaRPr lang="fr-FR" sz="1200" b="0" dirty="0">
+                      <a:endParaRPr lang="fr-FR" sz="1100" b="0" dirty="0">
                         <a:solidFill>
                           <a:schemeClr val="tx1"/>
                         </a:solidFill>
@@ -5131,7 +5090,7 @@
                     <a:p>
                       <a:pPr algn="l"/>
                       <a:r>
-                        <a:rPr lang="fr-FR" sz="1200" b="0" dirty="0" err="1">
+                        <a:rPr lang="fr-FR" sz="1100" b="0" dirty="0" err="1">
                           <a:solidFill>
                             <a:schemeClr val="tx1"/>
                           </a:solidFill>
@@ -5140,7 +5099,7 @@
                         </a:rPr>
                         <a:t>oiyu</a:t>
                       </a:r>
-                      <a:endParaRPr lang="fr-FR" sz="1200" b="0" dirty="0">
+                      <a:endParaRPr lang="fr-FR" sz="1100" b="0" dirty="0">
                         <a:solidFill>
                           <a:schemeClr val="tx1"/>
                         </a:solidFill>
@@ -5177,7 +5136,7 @@
                     <a:lstStyle/>
                     <a:p>
                       <a:pPr algn="l"/>
-                      <a:endParaRPr lang="fr-FR" sz="1200" b="0" dirty="0">
+                      <a:endParaRPr lang="fr-FR" sz="1100" b="0" dirty="0">
                         <a:solidFill>
                           <a:schemeClr val="tx1"/>
                         </a:solidFill>
@@ -5214,7 +5173,7 @@
                     <a:lstStyle/>
                     <a:p>
                       <a:pPr algn="l"/>
-                      <a:endParaRPr lang="fr-FR" sz="1200" b="0" dirty="0">
+                      <a:endParaRPr lang="fr-FR" sz="1100" b="0" dirty="0">
                         <a:solidFill>
                           <a:schemeClr val="tx1"/>
                         </a:solidFill>
@@ -5251,7 +5210,7 @@
                     <a:lstStyle/>
                     <a:p>
                       <a:pPr algn="l"/>
-                      <a:endParaRPr lang="fr-FR" sz="1200" b="0" dirty="0">
+                      <a:endParaRPr lang="fr-FR" sz="1100" b="0" dirty="0">
                         <a:solidFill>
                           <a:schemeClr val="tx1"/>
                         </a:solidFill>
@@ -5306,7 +5265,7 @@
         </p:nvSpPr>
         <p:spPr>
           <a:xfrm>
-            <a:off x="3450566" y="4273079"/>
+            <a:off x="3743865" y="5638028"/>
             <a:ext cx="5357004" cy="276999"/>
           </a:xfrm>
           <a:prstGeom prst="rect">
@@ -5350,6 +5309,139 @@
                 </a:solidFill>
               </a:rPr>
               <a:t> 2024</a:t>
+            </a:r>
+          </a:p>
+        </p:txBody>
+      </p:sp>
+      <p:sp>
+        <p:nvSpPr>
+          <p:cNvPr id="10" name="ZoneTexte 9">
+            <a:extLst>
+              <a:ext uri="{FF2B5EF4-FFF2-40B4-BE49-F238E27FC236}">
+                <a16:creationId xmlns:a16="http://schemas.microsoft.com/office/drawing/2014/main" id="{AC8C6045-2A11-06A9-67D2-76CC43FCD3A5}"/>
+              </a:ext>
+            </a:extLst>
+          </p:cNvPr>
+          <p:cNvSpPr txBox="1"/>
+          <p:nvPr/>
+        </p:nvSpPr>
+        <p:spPr>
+          <a:xfrm>
+            <a:off x="9100869" y="120074"/>
+            <a:ext cx="1802921" cy="307777"/>
+          </a:xfrm>
+          <a:prstGeom prst="rect">
+            <a:avLst/>
+          </a:prstGeom>
+          <a:noFill/>
+          <a:ln>
+            <a:solidFill>
+              <a:schemeClr val="bg1">
+                <a:lumMod val="75000"/>
+              </a:schemeClr>
+            </a:solidFill>
+          </a:ln>
+        </p:spPr>
+        <p:txBody>
+          <a:bodyPr wrap="square" rtlCol="0">
+            <a:spAutoFit/>
+          </a:bodyPr>
+          <a:lstStyle/>
+          <a:p>
+            <a:r>
+              <a:rPr lang="fr-FR" sz="1400" dirty="0"/>
+              <a:t>Rechercher</a:t>
+            </a:r>
+          </a:p>
+        </p:txBody>
+      </p:sp>
+      <p:sp>
+        <p:nvSpPr>
+          <p:cNvPr id="11" name="ZoneTexte 10">
+            <a:extLst>
+              <a:ext uri="{FF2B5EF4-FFF2-40B4-BE49-F238E27FC236}">
+                <a16:creationId xmlns:a16="http://schemas.microsoft.com/office/drawing/2014/main" id="{026BB9FD-E90E-DA3C-1C8D-A42D74A5B065}"/>
+              </a:ext>
+            </a:extLst>
+          </p:cNvPr>
+          <p:cNvSpPr txBox="1"/>
+          <p:nvPr/>
+        </p:nvSpPr>
+        <p:spPr>
+          <a:xfrm>
+            <a:off x="1554192" y="508958"/>
+            <a:ext cx="9083615" cy="523220"/>
+          </a:xfrm>
+          <a:prstGeom prst="rect">
+            <a:avLst/>
+          </a:prstGeom>
+          <a:noFill/>
+        </p:spPr>
+        <p:txBody>
+          <a:bodyPr wrap="square" rtlCol="0">
+            <a:spAutoFit/>
+          </a:bodyPr>
+          <a:lstStyle/>
+          <a:p>
+            <a:r>
+              <a:rPr lang="fr-FR" sz="1400" dirty="0"/>
+              <a:t>Catégories</a:t>
+            </a:r>
+          </a:p>
+          <a:p>
+            <a:r>
+              <a:rPr lang="fr-FR" sz="1400" dirty="0"/>
+              <a:t>Personnel		</a:t>
+            </a:r>
+            <a:r>
+              <a:rPr lang="fr-FR" sz="1400" dirty="0" err="1"/>
+              <a:t>Profesionnel</a:t>
+            </a:r>
+            <a:r>
+              <a:rPr lang="fr-FR" sz="1400" dirty="0"/>
+              <a:t>		Famille		Divers</a:t>
+            </a:r>
+          </a:p>
+        </p:txBody>
+      </p:sp>
+      <p:sp>
+        <p:nvSpPr>
+          <p:cNvPr id="12" name="ZoneTexte 11">
+            <a:extLst>
+              <a:ext uri="{FF2B5EF4-FFF2-40B4-BE49-F238E27FC236}">
+                <a16:creationId xmlns:a16="http://schemas.microsoft.com/office/drawing/2014/main" id="{A2A3E1A2-9AC5-69BD-35EC-27E0FB40E534}"/>
+              </a:ext>
+            </a:extLst>
+          </p:cNvPr>
+          <p:cNvSpPr txBox="1"/>
+          <p:nvPr/>
+        </p:nvSpPr>
+        <p:spPr>
+          <a:xfrm>
+            <a:off x="1626559" y="4257529"/>
+            <a:ext cx="9208218" cy="276999"/>
+          </a:xfrm>
+          <a:prstGeom prst="rect">
+            <a:avLst/>
+          </a:prstGeom>
+          <a:noFill/>
+          <a:ln>
+            <a:noFill/>
+          </a:ln>
+        </p:spPr>
+        <p:txBody>
+          <a:bodyPr wrap="square" rtlCol="0">
+            <a:spAutoFit/>
+          </a:bodyPr>
+          <a:lstStyle/>
+          <a:p>
+            <a:r>
+              <a:rPr lang="fr-FR" sz="1200" dirty="0">
+                <a:solidFill>
+                  <a:srgbClr val="3591DA"/>
+                </a:solidFill>
+              </a:rPr>
+              <a:t>0     1     2     3</a:t>
             </a:r>
           </a:p>
         </p:txBody>

--- a/Maquette.pptx
+++ b/Maquette.pptx
@@ -259,7 +259,7 @@
           <a:p>
             <a:fld id="{63AD295E-B7B5-4EFF-A330-1209DDB2B95C}" type="datetimeFigureOut">
               <a:rPr lang="fr-FR" smtClean="0"/>
-              <a:t>02/05/2024</a:t>
+              <a:t>03/05/2024</a:t>
             </a:fld>
             <a:endParaRPr lang="fr-FR"/>
           </a:p>
@@ -457,7 +457,7 @@
           <a:p>
             <a:fld id="{63AD295E-B7B5-4EFF-A330-1209DDB2B95C}" type="datetimeFigureOut">
               <a:rPr lang="fr-FR" smtClean="0"/>
-              <a:t>02/05/2024</a:t>
+              <a:t>03/05/2024</a:t>
             </a:fld>
             <a:endParaRPr lang="fr-FR"/>
           </a:p>
@@ -665,7 +665,7 @@
           <a:p>
             <a:fld id="{63AD295E-B7B5-4EFF-A330-1209DDB2B95C}" type="datetimeFigureOut">
               <a:rPr lang="fr-FR" smtClean="0"/>
-              <a:t>02/05/2024</a:t>
+              <a:t>03/05/2024</a:t>
             </a:fld>
             <a:endParaRPr lang="fr-FR"/>
           </a:p>
@@ -863,7 +863,7 @@
           <a:p>
             <a:fld id="{63AD295E-B7B5-4EFF-A330-1209DDB2B95C}" type="datetimeFigureOut">
               <a:rPr lang="fr-FR" smtClean="0"/>
-              <a:t>02/05/2024</a:t>
+              <a:t>03/05/2024</a:t>
             </a:fld>
             <a:endParaRPr lang="fr-FR"/>
           </a:p>
@@ -1138,7 +1138,7 @@
           <a:p>
             <a:fld id="{63AD295E-B7B5-4EFF-A330-1209DDB2B95C}" type="datetimeFigureOut">
               <a:rPr lang="fr-FR" smtClean="0"/>
-              <a:t>02/05/2024</a:t>
+              <a:t>03/05/2024</a:t>
             </a:fld>
             <a:endParaRPr lang="fr-FR"/>
           </a:p>
@@ -1403,7 +1403,7 @@
           <a:p>
             <a:fld id="{63AD295E-B7B5-4EFF-A330-1209DDB2B95C}" type="datetimeFigureOut">
               <a:rPr lang="fr-FR" smtClean="0"/>
-              <a:t>02/05/2024</a:t>
+              <a:t>03/05/2024</a:t>
             </a:fld>
             <a:endParaRPr lang="fr-FR"/>
           </a:p>
@@ -1815,7 +1815,7 @@
           <a:p>
             <a:fld id="{63AD295E-B7B5-4EFF-A330-1209DDB2B95C}" type="datetimeFigureOut">
               <a:rPr lang="fr-FR" smtClean="0"/>
-              <a:t>02/05/2024</a:t>
+              <a:t>03/05/2024</a:t>
             </a:fld>
             <a:endParaRPr lang="fr-FR"/>
           </a:p>
@@ -1956,7 +1956,7 @@
           <a:p>
             <a:fld id="{63AD295E-B7B5-4EFF-A330-1209DDB2B95C}" type="datetimeFigureOut">
               <a:rPr lang="fr-FR" smtClean="0"/>
-              <a:t>02/05/2024</a:t>
+              <a:t>03/05/2024</a:t>
             </a:fld>
             <a:endParaRPr lang="fr-FR"/>
           </a:p>
@@ -2069,7 +2069,7 @@
           <a:p>
             <a:fld id="{63AD295E-B7B5-4EFF-A330-1209DDB2B95C}" type="datetimeFigureOut">
               <a:rPr lang="fr-FR" smtClean="0"/>
-              <a:t>02/05/2024</a:t>
+              <a:t>03/05/2024</a:t>
             </a:fld>
             <a:endParaRPr lang="fr-FR"/>
           </a:p>
@@ -2380,7 +2380,7 @@
           <a:p>
             <a:fld id="{63AD295E-B7B5-4EFF-A330-1209DDB2B95C}" type="datetimeFigureOut">
               <a:rPr lang="fr-FR" smtClean="0"/>
-              <a:t>02/05/2024</a:t>
+              <a:t>03/05/2024</a:t>
             </a:fld>
             <a:endParaRPr lang="fr-FR"/>
           </a:p>
@@ -2668,7 +2668,7 @@
           <a:p>
             <a:fld id="{63AD295E-B7B5-4EFF-A330-1209DDB2B95C}" type="datetimeFigureOut">
               <a:rPr lang="fr-FR" smtClean="0"/>
-              <a:t>02/05/2024</a:t>
+              <a:t>03/05/2024</a:t>
             </a:fld>
             <a:endParaRPr lang="fr-FR"/>
           </a:p>
@@ -2909,7 +2909,7 @@
           <a:p>
             <a:fld id="{63AD295E-B7B5-4EFF-A330-1209DDB2B95C}" type="datetimeFigureOut">
               <a:rPr lang="fr-FR" smtClean="0"/>
-              <a:t>02/05/2024</a:t>
+              <a:t>03/05/2024</a:t>
             </a:fld>
             <a:endParaRPr lang="fr-FR"/>
           </a:p>
@@ -3398,7 +3398,7 @@
         </p:nvSpPr>
         <p:spPr>
           <a:xfrm>
-            <a:off x="1680234" y="1217006"/>
+            <a:off x="1680234" y="1484426"/>
             <a:ext cx="9083615" cy="307777"/>
           </a:xfrm>
           <a:prstGeom prst="rect">
@@ -3490,13 +3490,13 @@
           <p:nvPr>
             <p:extLst>
               <p:ext uri="{D42A27DB-BD31-4B8C-83A1-F6EECF244321}">
-                <p14:modId xmlns:p14="http://schemas.microsoft.com/office/powerpoint/2010/main" val="2089799408"/>
+                <p14:modId xmlns:p14="http://schemas.microsoft.com/office/powerpoint/2010/main" val="259363173"/>
               </p:ext>
             </p:extLst>
           </p:nvPr>
         </p:nvGraphicFramePr>
         <p:xfrm>
-          <a:off x="1626559" y="1524783"/>
+          <a:off x="1626559" y="1792203"/>
           <a:ext cx="9208219" cy="2701968"/>
         </p:xfrm>
         <a:graphic>
@@ -3506,45 +3506,59 @@
                 <a:tableStyleId>{5C22544A-7EE6-4342-B048-85BDC9FD1C3A}</a:tableStyleId>
               </a:tblPr>
               <a:tblGrid>
-                <a:gridCol w="786173">
+                <a:gridCol w="563358">
                   <a:extLst>
                     <a:ext uri="{9D8B030D-6E8A-4147-A177-3AD203B41FA5}">
                       <a16:colId xmlns:a16="http://schemas.microsoft.com/office/drawing/2014/main" val="772108779"/>
                     </a:ext>
                   </a:extLst>
                 </a:gridCol>
-                <a:gridCol w="1514794">
+                <a:gridCol w="1085476">
                   <a:extLst>
                     <a:ext uri="{9D8B030D-6E8A-4147-A177-3AD203B41FA5}">
                       <a16:colId xmlns:a16="http://schemas.microsoft.com/office/drawing/2014/main" val="3995398375"/>
                     </a:ext>
                   </a:extLst>
                 </a:gridCol>
-                <a:gridCol w="1436612">
+                <a:gridCol w="1029452">
                   <a:extLst>
                     <a:ext uri="{9D8B030D-6E8A-4147-A177-3AD203B41FA5}">
                       <a16:colId xmlns:a16="http://schemas.microsoft.com/office/drawing/2014/main" val="1246521485"/>
                     </a:ext>
                   </a:extLst>
                 </a:gridCol>
-                <a:gridCol w="2042531">
+                <a:gridCol w="1463643">
                   <a:extLst>
                     <a:ext uri="{9D8B030D-6E8A-4147-A177-3AD203B41FA5}">
                       <a16:colId xmlns:a16="http://schemas.microsoft.com/office/drawing/2014/main" val="3877056783"/>
                     </a:ext>
                   </a:extLst>
                 </a:gridCol>
-                <a:gridCol w="1524569">
+                <a:gridCol w="1092480">
                   <a:extLst>
                     <a:ext uri="{9D8B030D-6E8A-4147-A177-3AD203B41FA5}">
                       <a16:colId xmlns:a16="http://schemas.microsoft.com/office/drawing/2014/main" val="688336183"/>
                     </a:ext>
                   </a:extLst>
                 </a:gridCol>
-                <a:gridCol w="1903540">
+                <a:gridCol w="1877590">
                   <a:extLst>
                     <a:ext uri="{9D8B030D-6E8A-4147-A177-3AD203B41FA5}">
                       <a16:colId xmlns:a16="http://schemas.microsoft.com/office/drawing/2014/main" val="965566754"/>
+                    </a:ext>
+                  </a:extLst>
+                </a:gridCol>
+                <a:gridCol w="1276710">
+                  <a:extLst>
+                    <a:ext uri="{9D8B030D-6E8A-4147-A177-3AD203B41FA5}">
+                      <a16:colId xmlns:a16="http://schemas.microsoft.com/office/drawing/2014/main" val="1956971254"/>
+                    </a:ext>
+                  </a:extLst>
+                </a:gridCol>
+                <a:gridCol w="819510">
+                  <a:extLst>
+                    <a:ext uri="{9D8B030D-6E8A-4147-A177-3AD203B41FA5}">
+                      <a16:colId xmlns:a16="http://schemas.microsoft.com/office/drawing/2014/main" val="2065291788"/>
                     </a:ext>
                   </a:extLst>
                 </a:gridCol>
@@ -3557,7 +3571,7 @@
                     <a:p>
                       <a:pPr algn="l"/>
                       <a:r>
-                        <a:rPr lang="fr-FR" sz="1400" dirty="0">
+                        <a:rPr lang="fr-FR" sz="1100" dirty="0">
                           <a:solidFill>
                             <a:schemeClr val="tx1"/>
                           </a:solidFill>
@@ -3588,7 +3602,7 @@
                     <a:p>
                       <a:pPr algn="l"/>
                       <a:r>
-                        <a:rPr lang="fr-FR" sz="1400" dirty="0">
+                        <a:rPr lang="fr-FR" sz="1100" dirty="0">
                           <a:solidFill>
                             <a:schemeClr val="tx1"/>
                           </a:solidFill>
@@ -3619,7 +3633,7 @@
                     <a:p>
                       <a:pPr algn="l"/>
                       <a:r>
-                        <a:rPr lang="fr-FR" sz="1400" dirty="0">
+                        <a:rPr lang="fr-FR" sz="1100" dirty="0">
                           <a:solidFill>
                             <a:schemeClr val="tx1"/>
                           </a:solidFill>
@@ -3650,7 +3664,7 @@
                     <a:p>
                       <a:pPr algn="l"/>
                       <a:r>
-                        <a:rPr lang="fr-FR" sz="1400" dirty="0">
+                        <a:rPr lang="fr-FR" sz="1100" dirty="0">
                           <a:solidFill>
                             <a:schemeClr val="tx1"/>
                           </a:solidFill>
@@ -3681,7 +3695,7 @@
                     <a:p>
                       <a:pPr algn="l"/>
                       <a:r>
-                        <a:rPr lang="fr-FR" sz="1400" dirty="0">
+                        <a:rPr lang="fr-FR" sz="1100" dirty="0">
                           <a:solidFill>
                             <a:schemeClr val="tx1"/>
                           </a:solidFill>
@@ -3712,7 +3726,7 @@
                     <a:p>
                       <a:pPr algn="l"/>
                       <a:r>
-                        <a:rPr lang="fr-FR" sz="1400" dirty="0">
+                        <a:rPr lang="fr-FR" sz="1100" dirty="0">
                           <a:solidFill>
                             <a:schemeClr val="tx1"/>
                           </a:solidFill>
@@ -3720,6 +3734,68 @@
                           <a:cs typeface="Arial" panose="020B0604020202020204" pitchFamily="34" charset="0"/>
                         </a:rPr>
                         <a:t>Adresse</a:t>
+                      </a:r>
+                    </a:p>
+                  </a:txBody>
+                  <a:tcPr>
+                    <a:lnB w="12700" cap="flat" cmpd="sng" algn="ctr">
+                      <a:solidFill>
+                        <a:schemeClr val="tx1"/>
+                      </a:solidFill>
+                      <a:prstDash val="solid"/>
+                      <a:round/>
+                      <a:headEnd type="none" w="med" len="med"/>
+                      <a:tailEnd type="none" w="med" len="med"/>
+                    </a:lnB>
+                    <a:noFill/>
+                  </a:tcPr>
+                </a:tc>
+                <a:tc>
+                  <a:txBody>
+                    <a:bodyPr/>
+                    <a:lstStyle/>
+                    <a:p>
+                      <a:pPr algn="l"/>
+                      <a:r>
+                        <a:rPr lang="fr-FR" sz="1100" dirty="0">
+                          <a:solidFill>
+                            <a:schemeClr val="tx1"/>
+                          </a:solidFill>
+                          <a:latin typeface="Arial" panose="020B0604020202020204" pitchFamily="34" charset="0"/>
+                          <a:cs typeface="Arial" panose="020B0604020202020204" pitchFamily="34" charset="0"/>
+                        </a:rPr>
+                        <a:t>Mettre à jour</a:t>
+                      </a:r>
+                    </a:p>
+                  </a:txBody>
+                  <a:tcPr>
+                    <a:lnB w="12700" cap="flat" cmpd="sng" algn="ctr">
+                      <a:solidFill>
+                        <a:schemeClr val="tx1"/>
+                      </a:solidFill>
+                      <a:prstDash val="solid"/>
+                      <a:round/>
+                      <a:headEnd type="none" w="med" len="med"/>
+                      <a:tailEnd type="none" w="med" len="med"/>
+                    </a:lnB>
+                    <a:noFill/>
+                  </a:tcPr>
+                </a:tc>
+                <a:tc>
+                  <a:txBody>
+                    <a:bodyPr/>
+                    <a:lstStyle/>
+                    <a:p>
+                      <a:pPr algn="l"/>
+                      <a:r>
+                        <a:rPr lang="fr-FR" sz="1100" dirty="0">
+                          <a:solidFill>
+                            <a:schemeClr val="tx1"/>
+                          </a:solidFill>
+                          <a:latin typeface="Arial" panose="020B0604020202020204" pitchFamily="34" charset="0"/>
+                          <a:cs typeface="Arial" panose="020B0604020202020204" pitchFamily="34" charset="0"/>
+                        </a:rPr>
+                        <a:t>Effacer</a:t>
                       </a:r>
                     </a:p>
                   </a:txBody>
@@ -3750,7 +3826,7 @@
                     <a:p>
                       <a:pPr algn="l"/>
                       <a:r>
-                        <a:rPr lang="fr-FR" sz="1100" b="0" dirty="0">
+                        <a:rPr lang="fr-FR" sz="1000" b="0" dirty="0">
                           <a:solidFill>
                             <a:schemeClr val="tx1"/>
                           </a:solidFill>
@@ -3790,7 +3866,7 @@
                     <a:p>
                       <a:pPr algn="l"/>
                       <a:r>
-                        <a:rPr lang="fr-FR" sz="1100" b="0" dirty="0" err="1">
+                        <a:rPr lang="fr-FR" sz="1000" b="0" dirty="0" err="1">
                           <a:solidFill>
                             <a:schemeClr val="tx1"/>
                           </a:solidFill>
@@ -3799,7 +3875,7 @@
                         </a:rPr>
                         <a:t>Manex</a:t>
                       </a:r>
-                      <a:endParaRPr lang="fr-FR" sz="1100" b="0" dirty="0">
+                      <a:endParaRPr lang="fr-FR" sz="1000" b="0" dirty="0">
                         <a:solidFill>
                           <a:schemeClr val="tx1"/>
                         </a:solidFill>
@@ -3836,7 +3912,7 @@
                     <a:lstStyle/>
                     <a:p>
                       <a:pPr algn="l"/>
-                      <a:endParaRPr lang="fr-FR" sz="1100" b="0" dirty="0">
+                      <a:endParaRPr lang="fr-FR" sz="1000" b="0" dirty="0">
                         <a:solidFill>
                           <a:schemeClr val="tx1"/>
                         </a:solidFill>
@@ -3874,7 +3950,7 @@
                     <a:p>
                       <a:pPr algn="l"/>
                       <a:r>
-                        <a:rPr lang="fr-FR" sz="1100" b="0" dirty="0">
+                        <a:rPr lang="fr-FR" sz="1000" b="0" dirty="0">
                           <a:solidFill>
                             <a:schemeClr val="tx1"/>
                           </a:solidFill>
@@ -3914,7 +3990,7 @@
                     <a:p>
                       <a:pPr algn="l"/>
                       <a:r>
-                        <a:rPr lang="fr-FR" sz="1100" b="0" dirty="0">
+                        <a:rPr lang="fr-FR" sz="1000" b="0" dirty="0">
                           <a:solidFill>
                             <a:schemeClr val="tx1"/>
                           </a:solidFill>
@@ -3953,7 +4029,81 @@
                     <a:lstStyle/>
                     <a:p>
                       <a:pPr algn="l"/>
-                      <a:endParaRPr lang="fr-FR" sz="1100" b="0" dirty="0">
+                      <a:endParaRPr lang="fr-FR" sz="1000" b="0" dirty="0">
+                        <a:solidFill>
+                          <a:schemeClr val="tx1"/>
+                        </a:solidFill>
+                        <a:latin typeface="Arial" panose="020B0604020202020204" pitchFamily="34" charset="0"/>
+                        <a:cs typeface="Arial" panose="020B0604020202020204" pitchFamily="34" charset="0"/>
+                      </a:endParaRPr>
+                    </a:p>
+                  </a:txBody>
+                  <a:tcPr>
+                    <a:lnT w="12700" cap="flat" cmpd="sng" algn="ctr">
+                      <a:solidFill>
+                        <a:schemeClr val="tx1"/>
+                      </a:solidFill>
+                      <a:prstDash val="solid"/>
+                      <a:round/>
+                      <a:headEnd type="none" w="med" len="med"/>
+                      <a:tailEnd type="none" w="med" len="med"/>
+                    </a:lnT>
+                    <a:lnB w="12700" cap="flat" cmpd="sng" algn="ctr">
+                      <a:solidFill>
+                        <a:schemeClr val="tx1"/>
+                      </a:solidFill>
+                      <a:prstDash val="solid"/>
+                      <a:round/>
+                      <a:headEnd type="none" w="med" len="med"/>
+                      <a:tailEnd type="none" w="med" len="med"/>
+                    </a:lnB>
+                    <a:noFill/>
+                  </a:tcPr>
+                </a:tc>
+                <a:tc>
+                  <a:txBody>
+                    <a:bodyPr/>
+                    <a:lstStyle/>
+                    <a:p>
+                      <a:pPr algn="l"/>
+                      <a:endParaRPr lang="fr-FR" sz="1000" b="0" dirty="0">
+                        <a:solidFill>
+                          <a:schemeClr val="tx1"/>
+                        </a:solidFill>
+                        <a:latin typeface="Arial" panose="020B0604020202020204" pitchFamily="34" charset="0"/>
+                        <a:cs typeface="Arial" panose="020B0604020202020204" pitchFamily="34" charset="0"/>
+                      </a:endParaRPr>
+                    </a:p>
+                  </a:txBody>
+                  <a:tcPr>
+                    <a:lnT w="12700" cap="flat" cmpd="sng" algn="ctr">
+                      <a:solidFill>
+                        <a:schemeClr val="tx1"/>
+                      </a:solidFill>
+                      <a:prstDash val="solid"/>
+                      <a:round/>
+                      <a:headEnd type="none" w="med" len="med"/>
+                      <a:tailEnd type="none" w="med" len="med"/>
+                    </a:lnT>
+                    <a:lnB w="12700" cap="flat" cmpd="sng" algn="ctr">
+                      <a:solidFill>
+                        <a:schemeClr val="tx1"/>
+                      </a:solidFill>
+                      <a:prstDash val="solid"/>
+                      <a:round/>
+                      <a:headEnd type="none" w="med" len="med"/>
+                      <a:tailEnd type="none" w="med" len="med"/>
+                    </a:lnB>
+                    <a:noFill/>
+                  </a:tcPr>
+                </a:tc>
+                <a:tc>
+                  <a:txBody>
+                    <a:bodyPr/>
+                    <a:lstStyle/>
+                    <a:p>
+                      <a:pPr algn="l"/>
+                      <a:endParaRPr lang="fr-FR" sz="1000" b="0" dirty="0">
                         <a:solidFill>
                           <a:schemeClr val="tx1"/>
                         </a:solidFill>
@@ -3998,7 +4148,7 @@
                     <a:p>
                       <a:pPr algn="l"/>
                       <a:r>
-                        <a:rPr lang="fr-FR" sz="1100" b="0" dirty="0">
+                        <a:rPr lang="fr-FR" sz="1000" b="0" dirty="0">
                           <a:solidFill>
                             <a:schemeClr val="tx1"/>
                           </a:solidFill>
@@ -4038,7 +4188,7 @@
                     <a:p>
                       <a:pPr algn="l"/>
                       <a:r>
-                        <a:rPr lang="fr-FR" sz="1100" b="0" dirty="0">
+                        <a:rPr lang="fr-FR" sz="1000" b="0" dirty="0">
                           <a:solidFill>
                             <a:schemeClr val="tx1"/>
                           </a:solidFill>
@@ -4078,7 +4228,7 @@
                     <a:p>
                       <a:pPr algn="l"/>
                       <a:r>
-                        <a:rPr lang="fr-FR" sz="1100" b="0" dirty="0" err="1">
+                        <a:rPr lang="fr-FR" sz="1000" b="0" dirty="0" err="1">
                           <a:solidFill>
                             <a:schemeClr val="tx1"/>
                           </a:solidFill>
@@ -4087,7 +4237,7 @@
                         </a:rPr>
                         <a:t>thsgw</a:t>
                       </a:r>
-                      <a:endParaRPr lang="fr-FR" sz="1100" b="0" dirty="0">
+                      <a:endParaRPr lang="fr-FR" sz="1000" b="0" dirty="0">
                         <a:solidFill>
                           <a:schemeClr val="tx1"/>
                         </a:solidFill>
@@ -4125,7 +4275,7 @@
                     <a:p>
                       <a:pPr algn="l"/>
                       <a:r>
-                        <a:rPr lang="fr-FR" sz="1100" b="0" dirty="0">
+                        <a:rPr lang="fr-FR" sz="1000" b="0" dirty="0">
                           <a:solidFill>
                             <a:schemeClr val="tx1"/>
                           </a:solidFill>
@@ -4164,7 +4314,7 @@
                     <a:lstStyle/>
                     <a:p>
                       <a:pPr algn="l"/>
-                      <a:endParaRPr lang="fr-FR" sz="1100" b="0" dirty="0">
+                      <a:endParaRPr lang="fr-FR" sz="1000" b="0" dirty="0">
                         <a:solidFill>
                           <a:schemeClr val="tx1"/>
                         </a:solidFill>
@@ -4201,7 +4351,81 @@
                     <a:lstStyle/>
                     <a:p>
                       <a:pPr algn="l"/>
-                      <a:endParaRPr lang="fr-FR" sz="1100" b="0" dirty="0">
+                      <a:endParaRPr lang="fr-FR" sz="1000" b="0" dirty="0">
+                        <a:solidFill>
+                          <a:schemeClr val="tx1"/>
+                        </a:solidFill>
+                        <a:latin typeface="Arial" panose="020B0604020202020204" pitchFamily="34" charset="0"/>
+                        <a:cs typeface="Arial" panose="020B0604020202020204" pitchFamily="34" charset="0"/>
+                      </a:endParaRPr>
+                    </a:p>
+                  </a:txBody>
+                  <a:tcPr>
+                    <a:lnT w="12700" cap="flat" cmpd="sng" algn="ctr">
+                      <a:solidFill>
+                        <a:schemeClr val="tx1"/>
+                      </a:solidFill>
+                      <a:prstDash val="solid"/>
+                      <a:round/>
+                      <a:headEnd type="none" w="med" len="med"/>
+                      <a:tailEnd type="none" w="med" len="med"/>
+                    </a:lnT>
+                    <a:lnB w="12700" cap="flat" cmpd="sng" algn="ctr">
+                      <a:solidFill>
+                        <a:schemeClr val="tx1"/>
+                      </a:solidFill>
+                      <a:prstDash val="solid"/>
+                      <a:round/>
+                      <a:headEnd type="none" w="med" len="med"/>
+                      <a:tailEnd type="none" w="med" len="med"/>
+                    </a:lnB>
+                    <a:noFill/>
+                  </a:tcPr>
+                </a:tc>
+                <a:tc>
+                  <a:txBody>
+                    <a:bodyPr/>
+                    <a:lstStyle/>
+                    <a:p>
+                      <a:pPr algn="l"/>
+                      <a:endParaRPr lang="fr-FR" sz="1000" b="0" dirty="0">
+                        <a:solidFill>
+                          <a:schemeClr val="tx1"/>
+                        </a:solidFill>
+                        <a:latin typeface="Arial" panose="020B0604020202020204" pitchFamily="34" charset="0"/>
+                        <a:cs typeface="Arial" panose="020B0604020202020204" pitchFamily="34" charset="0"/>
+                      </a:endParaRPr>
+                    </a:p>
+                  </a:txBody>
+                  <a:tcPr>
+                    <a:lnT w="12700" cap="flat" cmpd="sng" algn="ctr">
+                      <a:solidFill>
+                        <a:schemeClr val="tx1"/>
+                      </a:solidFill>
+                      <a:prstDash val="solid"/>
+                      <a:round/>
+                      <a:headEnd type="none" w="med" len="med"/>
+                      <a:tailEnd type="none" w="med" len="med"/>
+                    </a:lnT>
+                    <a:lnB w="12700" cap="flat" cmpd="sng" algn="ctr">
+                      <a:solidFill>
+                        <a:schemeClr val="tx1"/>
+                      </a:solidFill>
+                      <a:prstDash val="solid"/>
+                      <a:round/>
+                      <a:headEnd type="none" w="med" len="med"/>
+                      <a:tailEnd type="none" w="med" len="med"/>
+                    </a:lnB>
+                    <a:noFill/>
+                  </a:tcPr>
+                </a:tc>
+                <a:tc>
+                  <a:txBody>
+                    <a:bodyPr/>
+                    <a:lstStyle/>
+                    <a:p>
+                      <a:pPr algn="l"/>
+                      <a:endParaRPr lang="fr-FR" sz="1000" b="0" dirty="0">
                         <a:solidFill>
                           <a:schemeClr val="tx1"/>
                         </a:solidFill>
@@ -4246,7 +4470,7 @@
                     <a:p>
                       <a:pPr algn="l"/>
                       <a:r>
-                        <a:rPr lang="fr-FR" sz="1100" b="0" dirty="0">
+                        <a:rPr lang="fr-FR" sz="1000" b="0" dirty="0">
                           <a:solidFill>
                             <a:schemeClr val="tx1"/>
                           </a:solidFill>
@@ -4286,7 +4510,7 @@
                     <a:p>
                       <a:pPr algn="l"/>
                       <a:r>
-                        <a:rPr lang="fr-FR" sz="1100" b="0" dirty="0">
+                        <a:rPr lang="fr-FR" sz="1000" b="0" dirty="0">
                           <a:solidFill>
                             <a:schemeClr val="tx1"/>
                           </a:solidFill>
@@ -4326,7 +4550,7 @@
                     <a:p>
                       <a:pPr algn="l"/>
                       <a:r>
-                        <a:rPr lang="fr-FR" sz="1100" b="0" dirty="0" err="1">
+                        <a:rPr lang="fr-FR" sz="1000" b="0" dirty="0" err="1">
                           <a:solidFill>
                             <a:schemeClr val="tx1"/>
                           </a:solidFill>
@@ -4335,7 +4559,7 @@
                         </a:rPr>
                         <a:t>hoigt</a:t>
                       </a:r>
-                      <a:endParaRPr lang="fr-FR" sz="1100" b="0" dirty="0">
+                      <a:endParaRPr lang="fr-FR" sz="1000" b="0" dirty="0">
                         <a:solidFill>
                           <a:schemeClr val="tx1"/>
                         </a:solidFill>
@@ -4373,7 +4597,7 @@
                     <a:p>
                       <a:pPr algn="l"/>
                       <a:r>
-                        <a:rPr lang="fr-FR" sz="1100" b="0" dirty="0">
+                        <a:rPr lang="fr-FR" sz="1000" b="0" dirty="0">
                           <a:solidFill>
                             <a:schemeClr val="tx1"/>
                           </a:solidFill>
@@ -4413,7 +4637,7 @@
                     <a:p>
                       <a:pPr algn="l"/>
                       <a:r>
-                        <a:rPr lang="fr-FR" sz="1100" b="0" dirty="0">
+                        <a:rPr lang="fr-FR" sz="1000" b="0" dirty="0">
                           <a:solidFill>
                             <a:schemeClr val="tx1"/>
                           </a:solidFill>
@@ -4452,7 +4676,81 @@
                     <a:lstStyle/>
                     <a:p>
                       <a:pPr algn="l"/>
-                      <a:endParaRPr lang="fr-FR" sz="1100" b="0" dirty="0">
+                      <a:endParaRPr lang="fr-FR" sz="1000" b="0" dirty="0">
+                        <a:solidFill>
+                          <a:schemeClr val="tx1"/>
+                        </a:solidFill>
+                        <a:latin typeface="Arial" panose="020B0604020202020204" pitchFamily="34" charset="0"/>
+                        <a:cs typeface="Arial" panose="020B0604020202020204" pitchFamily="34" charset="0"/>
+                      </a:endParaRPr>
+                    </a:p>
+                  </a:txBody>
+                  <a:tcPr>
+                    <a:lnT w="12700" cap="flat" cmpd="sng" algn="ctr">
+                      <a:solidFill>
+                        <a:schemeClr val="tx1"/>
+                      </a:solidFill>
+                      <a:prstDash val="solid"/>
+                      <a:round/>
+                      <a:headEnd type="none" w="med" len="med"/>
+                      <a:tailEnd type="none" w="med" len="med"/>
+                    </a:lnT>
+                    <a:lnB w="12700" cap="flat" cmpd="sng" algn="ctr">
+                      <a:solidFill>
+                        <a:schemeClr val="tx1"/>
+                      </a:solidFill>
+                      <a:prstDash val="solid"/>
+                      <a:round/>
+                      <a:headEnd type="none" w="med" len="med"/>
+                      <a:tailEnd type="none" w="med" len="med"/>
+                    </a:lnB>
+                    <a:noFill/>
+                  </a:tcPr>
+                </a:tc>
+                <a:tc>
+                  <a:txBody>
+                    <a:bodyPr/>
+                    <a:lstStyle/>
+                    <a:p>
+                      <a:pPr algn="l"/>
+                      <a:endParaRPr lang="fr-FR" sz="1000" b="0" dirty="0">
+                        <a:solidFill>
+                          <a:schemeClr val="tx1"/>
+                        </a:solidFill>
+                        <a:latin typeface="Arial" panose="020B0604020202020204" pitchFamily="34" charset="0"/>
+                        <a:cs typeface="Arial" panose="020B0604020202020204" pitchFamily="34" charset="0"/>
+                      </a:endParaRPr>
+                    </a:p>
+                  </a:txBody>
+                  <a:tcPr>
+                    <a:lnT w="12700" cap="flat" cmpd="sng" algn="ctr">
+                      <a:solidFill>
+                        <a:schemeClr val="tx1"/>
+                      </a:solidFill>
+                      <a:prstDash val="solid"/>
+                      <a:round/>
+                      <a:headEnd type="none" w="med" len="med"/>
+                      <a:tailEnd type="none" w="med" len="med"/>
+                    </a:lnT>
+                    <a:lnB w="12700" cap="flat" cmpd="sng" algn="ctr">
+                      <a:solidFill>
+                        <a:schemeClr val="tx1"/>
+                      </a:solidFill>
+                      <a:prstDash val="solid"/>
+                      <a:round/>
+                      <a:headEnd type="none" w="med" len="med"/>
+                      <a:tailEnd type="none" w="med" len="med"/>
+                    </a:lnB>
+                    <a:noFill/>
+                  </a:tcPr>
+                </a:tc>
+                <a:tc>
+                  <a:txBody>
+                    <a:bodyPr/>
+                    <a:lstStyle/>
+                    <a:p>
+                      <a:pPr algn="l"/>
+                      <a:endParaRPr lang="fr-FR" sz="1000" b="0" dirty="0">
                         <a:solidFill>
                           <a:schemeClr val="tx1"/>
                         </a:solidFill>
@@ -4497,7 +4795,7 @@
                     <a:p>
                       <a:pPr algn="l"/>
                       <a:r>
-                        <a:rPr lang="fr-FR" sz="1100" b="0" dirty="0">
+                        <a:rPr lang="fr-FR" sz="1000" b="0" dirty="0">
                           <a:solidFill>
                             <a:schemeClr val="tx1"/>
                           </a:solidFill>
@@ -4537,7 +4835,7 @@
                     <a:p>
                       <a:pPr algn="l"/>
                       <a:r>
-                        <a:rPr lang="fr-FR" sz="1100" b="0" dirty="0">
+                        <a:rPr lang="fr-FR" sz="1000" b="0" dirty="0">
                           <a:solidFill>
                             <a:schemeClr val="tx1"/>
                           </a:solidFill>
@@ -4577,7 +4875,7 @@
                     <a:p>
                       <a:pPr algn="l"/>
                       <a:r>
-                        <a:rPr lang="fr-FR" sz="1100" b="0" dirty="0" err="1">
+                        <a:rPr lang="fr-FR" sz="1000" b="0" dirty="0" err="1">
                           <a:solidFill>
                             <a:schemeClr val="tx1"/>
                           </a:solidFill>
@@ -4586,7 +4884,7 @@
                         </a:rPr>
                         <a:t>utyypt</a:t>
                       </a:r>
-                      <a:endParaRPr lang="fr-FR" sz="1100" b="0" dirty="0">
+                      <a:endParaRPr lang="fr-FR" sz="1000" b="0" dirty="0">
                         <a:solidFill>
                           <a:schemeClr val="tx1"/>
                         </a:solidFill>
@@ -4623,7 +4921,7 @@
                     <a:lstStyle/>
                     <a:p>
                       <a:pPr algn="l"/>
-                      <a:endParaRPr lang="fr-FR" sz="1100" b="0" dirty="0">
+                      <a:endParaRPr lang="fr-FR" sz="1000" b="0" dirty="0">
                         <a:solidFill>
                           <a:schemeClr val="tx1"/>
                         </a:solidFill>
@@ -4660,7 +4958,7 @@
                     <a:lstStyle/>
                     <a:p>
                       <a:pPr algn="l"/>
-                      <a:endParaRPr lang="fr-FR" sz="1100" b="0" dirty="0">
+                      <a:endParaRPr lang="fr-FR" sz="1000" b="0" dirty="0">
                         <a:solidFill>
                           <a:schemeClr val="tx1"/>
                         </a:solidFill>
@@ -4698,7 +4996,7 @@
                     <a:p>
                       <a:pPr algn="l"/>
                       <a:r>
-                        <a:rPr lang="fr-FR" sz="1100" b="0" dirty="0">
+                        <a:rPr lang="fr-FR" sz="1000" b="0" dirty="0">
                           <a:solidFill>
                             <a:schemeClr val="tx1"/>
                           </a:solidFill>
@@ -4708,7 +5006,7 @@
                         <a:t>Rue de </a:t>
                       </a:r>
                       <a:r>
-                        <a:rPr lang="fr-FR" sz="1100" b="0" dirty="0" err="1">
+                        <a:rPr lang="fr-FR" sz="1000" b="0" dirty="0" err="1">
                           <a:solidFill>
                             <a:schemeClr val="tx1"/>
                           </a:solidFill>
@@ -4718,7 +5016,7 @@
                         <a:t>Leeroy</a:t>
                       </a:r>
                       <a:r>
-                        <a:rPr lang="fr-FR" sz="1100" b="0" dirty="0">
+                        <a:rPr lang="fr-FR" sz="1000" b="0" dirty="0">
                           <a:solidFill>
                             <a:schemeClr val="tx1"/>
                           </a:solidFill>
@@ -4727,6 +5025,80 @@
                         </a:rPr>
                         <a:t> Jenkins</a:t>
                       </a:r>
+                    </a:p>
+                  </a:txBody>
+                  <a:tcPr>
+                    <a:lnT w="12700" cap="flat" cmpd="sng" algn="ctr">
+                      <a:solidFill>
+                        <a:schemeClr val="tx1"/>
+                      </a:solidFill>
+                      <a:prstDash val="solid"/>
+                      <a:round/>
+                      <a:headEnd type="none" w="med" len="med"/>
+                      <a:tailEnd type="none" w="med" len="med"/>
+                    </a:lnT>
+                    <a:lnB w="12700" cap="flat" cmpd="sng" algn="ctr">
+                      <a:solidFill>
+                        <a:schemeClr val="tx1"/>
+                      </a:solidFill>
+                      <a:prstDash val="solid"/>
+                      <a:round/>
+                      <a:headEnd type="none" w="med" len="med"/>
+                      <a:tailEnd type="none" w="med" len="med"/>
+                    </a:lnB>
+                    <a:noFill/>
+                  </a:tcPr>
+                </a:tc>
+                <a:tc>
+                  <a:txBody>
+                    <a:bodyPr/>
+                    <a:lstStyle/>
+                    <a:p>
+                      <a:pPr algn="l"/>
+                      <a:endParaRPr lang="fr-FR" sz="1000" b="0" dirty="0">
+                        <a:solidFill>
+                          <a:schemeClr val="tx1"/>
+                        </a:solidFill>
+                        <a:latin typeface="Arial" panose="020B0604020202020204" pitchFamily="34" charset="0"/>
+                        <a:cs typeface="Arial" panose="020B0604020202020204" pitchFamily="34" charset="0"/>
+                      </a:endParaRPr>
+                    </a:p>
+                  </a:txBody>
+                  <a:tcPr>
+                    <a:lnT w="12700" cap="flat" cmpd="sng" algn="ctr">
+                      <a:solidFill>
+                        <a:schemeClr val="tx1"/>
+                      </a:solidFill>
+                      <a:prstDash val="solid"/>
+                      <a:round/>
+                      <a:headEnd type="none" w="med" len="med"/>
+                      <a:tailEnd type="none" w="med" len="med"/>
+                    </a:lnT>
+                    <a:lnB w="12700" cap="flat" cmpd="sng" algn="ctr">
+                      <a:solidFill>
+                        <a:schemeClr val="tx1"/>
+                      </a:solidFill>
+                      <a:prstDash val="solid"/>
+                      <a:round/>
+                      <a:headEnd type="none" w="med" len="med"/>
+                      <a:tailEnd type="none" w="med" len="med"/>
+                    </a:lnB>
+                    <a:noFill/>
+                  </a:tcPr>
+                </a:tc>
+                <a:tc>
+                  <a:txBody>
+                    <a:bodyPr/>
+                    <a:lstStyle/>
+                    <a:p>
+                      <a:pPr algn="l"/>
+                      <a:endParaRPr lang="fr-FR" sz="1000" b="0" dirty="0">
+                        <a:solidFill>
+                          <a:schemeClr val="tx1"/>
+                        </a:solidFill>
+                        <a:latin typeface="Arial" panose="020B0604020202020204" pitchFamily="34" charset="0"/>
+                        <a:cs typeface="Arial" panose="020B0604020202020204" pitchFamily="34" charset="0"/>
+                      </a:endParaRPr>
                     </a:p>
                   </a:txBody>
                   <a:tcPr>
@@ -4765,7 +5137,7 @@
                     <a:p>
                       <a:pPr algn="l"/>
                       <a:r>
-                        <a:rPr lang="fr-FR" sz="1100" b="0" dirty="0">
+                        <a:rPr lang="fr-FR" sz="1000" b="0" dirty="0">
                           <a:solidFill>
                             <a:schemeClr val="tx1"/>
                           </a:solidFill>
@@ -4805,7 +5177,7 @@
                     <a:p>
                       <a:pPr algn="l"/>
                       <a:r>
-                        <a:rPr lang="fr-FR" sz="1100" b="0" dirty="0">
+                        <a:rPr lang="fr-FR" sz="1000" b="0" dirty="0">
                           <a:solidFill>
                             <a:schemeClr val="tx1"/>
                           </a:solidFill>
@@ -4844,7 +5216,7 @@
                     <a:lstStyle/>
                     <a:p>
                       <a:pPr algn="l"/>
-                      <a:endParaRPr lang="fr-FR" sz="1100" b="0" dirty="0">
+                      <a:endParaRPr lang="fr-FR" sz="1000" b="0" dirty="0">
                         <a:solidFill>
                           <a:schemeClr val="tx1"/>
                         </a:solidFill>
@@ -4881,7 +5253,7 @@
                     <a:lstStyle/>
                     <a:p>
                       <a:pPr algn="l"/>
-                      <a:endParaRPr lang="fr-FR" sz="1100" b="0" dirty="0">
+                      <a:endParaRPr lang="fr-FR" sz="1000" b="0" dirty="0">
                         <a:solidFill>
                           <a:schemeClr val="tx1"/>
                         </a:solidFill>
@@ -4919,7 +5291,7 @@
                     <a:p>
                       <a:pPr algn="l"/>
                       <a:r>
-                        <a:rPr lang="fr-FR" sz="1100" b="0" dirty="0">
+                        <a:rPr lang="fr-FR" sz="1000" b="0" dirty="0">
                           <a:solidFill>
                             <a:schemeClr val="tx1"/>
                           </a:solidFill>
@@ -4958,7 +5330,81 @@
                     <a:lstStyle/>
                     <a:p>
                       <a:pPr algn="l"/>
-                      <a:endParaRPr lang="fr-FR" sz="1100" b="0" dirty="0">
+                      <a:endParaRPr lang="fr-FR" sz="1000" b="0" dirty="0">
+                        <a:solidFill>
+                          <a:schemeClr val="tx1"/>
+                        </a:solidFill>
+                        <a:latin typeface="Arial" panose="020B0604020202020204" pitchFamily="34" charset="0"/>
+                        <a:cs typeface="Arial" panose="020B0604020202020204" pitchFamily="34" charset="0"/>
+                      </a:endParaRPr>
+                    </a:p>
+                  </a:txBody>
+                  <a:tcPr>
+                    <a:lnT w="12700" cap="flat" cmpd="sng" algn="ctr">
+                      <a:solidFill>
+                        <a:schemeClr val="tx1"/>
+                      </a:solidFill>
+                      <a:prstDash val="solid"/>
+                      <a:round/>
+                      <a:headEnd type="none" w="med" len="med"/>
+                      <a:tailEnd type="none" w="med" len="med"/>
+                    </a:lnT>
+                    <a:lnB w="12700" cap="flat" cmpd="sng" algn="ctr">
+                      <a:solidFill>
+                        <a:schemeClr val="tx1"/>
+                      </a:solidFill>
+                      <a:prstDash val="solid"/>
+                      <a:round/>
+                      <a:headEnd type="none" w="med" len="med"/>
+                      <a:tailEnd type="none" w="med" len="med"/>
+                    </a:lnB>
+                    <a:noFill/>
+                  </a:tcPr>
+                </a:tc>
+                <a:tc>
+                  <a:txBody>
+                    <a:bodyPr/>
+                    <a:lstStyle/>
+                    <a:p>
+                      <a:pPr algn="l"/>
+                      <a:endParaRPr lang="fr-FR" sz="1000" b="0" dirty="0">
+                        <a:solidFill>
+                          <a:schemeClr val="tx1"/>
+                        </a:solidFill>
+                        <a:latin typeface="Arial" panose="020B0604020202020204" pitchFamily="34" charset="0"/>
+                        <a:cs typeface="Arial" panose="020B0604020202020204" pitchFamily="34" charset="0"/>
+                      </a:endParaRPr>
+                    </a:p>
+                  </a:txBody>
+                  <a:tcPr>
+                    <a:lnT w="12700" cap="flat" cmpd="sng" algn="ctr">
+                      <a:solidFill>
+                        <a:schemeClr val="tx1"/>
+                      </a:solidFill>
+                      <a:prstDash val="solid"/>
+                      <a:round/>
+                      <a:headEnd type="none" w="med" len="med"/>
+                      <a:tailEnd type="none" w="med" len="med"/>
+                    </a:lnT>
+                    <a:lnB w="12700" cap="flat" cmpd="sng" algn="ctr">
+                      <a:solidFill>
+                        <a:schemeClr val="tx1"/>
+                      </a:solidFill>
+                      <a:prstDash val="solid"/>
+                      <a:round/>
+                      <a:headEnd type="none" w="med" len="med"/>
+                      <a:tailEnd type="none" w="med" len="med"/>
+                    </a:lnB>
+                    <a:noFill/>
+                  </a:tcPr>
+                </a:tc>
+                <a:tc>
+                  <a:txBody>
+                    <a:bodyPr/>
+                    <a:lstStyle/>
+                    <a:p>
+                      <a:pPr algn="l"/>
+                      <a:endParaRPr lang="fr-FR" sz="1000" b="0" dirty="0">
                         <a:solidFill>
                           <a:schemeClr val="tx1"/>
                         </a:solidFill>
@@ -5003,7 +5449,7 @@
                     <a:p>
                       <a:pPr algn="l"/>
                       <a:r>
-                        <a:rPr lang="fr-FR" sz="1100" b="0" dirty="0">
+                        <a:rPr lang="fr-FR" sz="1000" b="0" dirty="0">
                           <a:solidFill>
                             <a:schemeClr val="tx1"/>
                           </a:solidFill>
@@ -5043,7 +5489,7 @@
                     <a:p>
                       <a:pPr algn="l"/>
                       <a:r>
-                        <a:rPr lang="fr-FR" sz="1100" b="0" dirty="0" err="1">
+                        <a:rPr lang="fr-FR" sz="1000" b="0" dirty="0" err="1">
                           <a:solidFill>
                             <a:schemeClr val="tx1"/>
                           </a:solidFill>
@@ -5052,7 +5498,7 @@
                         </a:rPr>
                         <a:t>Alejandra</a:t>
                       </a:r>
-                      <a:endParaRPr lang="fr-FR" sz="1100" b="0" dirty="0">
+                      <a:endParaRPr lang="fr-FR" sz="1000" b="0" dirty="0">
                         <a:solidFill>
                           <a:schemeClr val="tx1"/>
                         </a:solidFill>
@@ -5090,7 +5536,7 @@
                     <a:p>
                       <a:pPr algn="l"/>
                       <a:r>
-                        <a:rPr lang="fr-FR" sz="1100" b="0" dirty="0" err="1">
+                        <a:rPr lang="fr-FR" sz="1000" b="0" dirty="0" err="1">
                           <a:solidFill>
                             <a:schemeClr val="tx1"/>
                           </a:solidFill>
@@ -5099,7 +5545,7 @@
                         </a:rPr>
                         <a:t>oiyu</a:t>
                       </a:r>
-                      <a:endParaRPr lang="fr-FR" sz="1100" b="0" dirty="0">
+                      <a:endParaRPr lang="fr-FR" sz="1000" b="0" dirty="0">
                         <a:solidFill>
                           <a:schemeClr val="tx1"/>
                         </a:solidFill>
@@ -5136,7 +5582,7 @@
                     <a:lstStyle/>
                     <a:p>
                       <a:pPr algn="l"/>
-                      <a:endParaRPr lang="fr-FR" sz="1100" b="0" dirty="0">
+                      <a:endParaRPr lang="fr-FR" sz="1000" b="0" dirty="0">
                         <a:solidFill>
                           <a:schemeClr val="tx1"/>
                         </a:solidFill>
@@ -5173,7 +5619,7 @@
                     <a:lstStyle/>
                     <a:p>
                       <a:pPr algn="l"/>
-                      <a:endParaRPr lang="fr-FR" sz="1100" b="0" dirty="0">
+                      <a:endParaRPr lang="fr-FR" sz="1000" b="0" dirty="0">
                         <a:solidFill>
                           <a:schemeClr val="tx1"/>
                         </a:solidFill>
@@ -5210,7 +5656,81 @@
                     <a:lstStyle/>
                     <a:p>
                       <a:pPr algn="l"/>
-                      <a:endParaRPr lang="fr-FR" sz="1100" b="0" dirty="0">
+                      <a:endParaRPr lang="fr-FR" sz="1000" b="0" dirty="0">
+                        <a:solidFill>
+                          <a:schemeClr val="tx1"/>
+                        </a:solidFill>
+                        <a:latin typeface="Arial" panose="020B0604020202020204" pitchFamily="34" charset="0"/>
+                        <a:cs typeface="Arial" panose="020B0604020202020204" pitchFamily="34" charset="0"/>
+                      </a:endParaRPr>
+                    </a:p>
+                  </a:txBody>
+                  <a:tcPr>
+                    <a:lnT w="12700" cap="flat" cmpd="sng" algn="ctr">
+                      <a:solidFill>
+                        <a:schemeClr val="tx1"/>
+                      </a:solidFill>
+                      <a:prstDash val="solid"/>
+                      <a:round/>
+                      <a:headEnd type="none" w="med" len="med"/>
+                      <a:tailEnd type="none" w="med" len="med"/>
+                    </a:lnT>
+                    <a:lnB w="12700" cap="flat" cmpd="sng" algn="ctr">
+                      <a:solidFill>
+                        <a:schemeClr val="tx1"/>
+                      </a:solidFill>
+                      <a:prstDash val="solid"/>
+                      <a:round/>
+                      <a:headEnd type="none" w="med" len="med"/>
+                      <a:tailEnd type="none" w="med" len="med"/>
+                    </a:lnB>
+                    <a:noFill/>
+                  </a:tcPr>
+                </a:tc>
+                <a:tc>
+                  <a:txBody>
+                    <a:bodyPr/>
+                    <a:lstStyle/>
+                    <a:p>
+                      <a:pPr algn="l"/>
+                      <a:endParaRPr lang="fr-FR" sz="1000" b="0" dirty="0">
+                        <a:solidFill>
+                          <a:schemeClr val="tx1"/>
+                        </a:solidFill>
+                        <a:latin typeface="Arial" panose="020B0604020202020204" pitchFamily="34" charset="0"/>
+                        <a:cs typeface="Arial" panose="020B0604020202020204" pitchFamily="34" charset="0"/>
+                      </a:endParaRPr>
+                    </a:p>
+                  </a:txBody>
+                  <a:tcPr>
+                    <a:lnT w="12700" cap="flat" cmpd="sng" algn="ctr">
+                      <a:solidFill>
+                        <a:schemeClr val="tx1"/>
+                      </a:solidFill>
+                      <a:prstDash val="solid"/>
+                      <a:round/>
+                      <a:headEnd type="none" w="med" len="med"/>
+                      <a:tailEnd type="none" w="med" len="med"/>
+                    </a:lnT>
+                    <a:lnB w="12700" cap="flat" cmpd="sng" algn="ctr">
+                      <a:solidFill>
+                        <a:schemeClr val="tx1"/>
+                      </a:solidFill>
+                      <a:prstDash val="solid"/>
+                      <a:round/>
+                      <a:headEnd type="none" w="med" len="med"/>
+                      <a:tailEnd type="none" w="med" len="med"/>
+                    </a:lnB>
+                    <a:noFill/>
+                  </a:tcPr>
+                </a:tc>
+                <a:tc>
+                  <a:txBody>
+                    <a:bodyPr/>
+                    <a:lstStyle/>
+                    <a:p>
+                      <a:pPr algn="l"/>
+                      <a:endParaRPr lang="fr-FR" sz="1000" b="0" dirty="0">
                         <a:solidFill>
                           <a:schemeClr val="tx1"/>
                         </a:solidFill>
@@ -5370,7 +5890,7 @@
         <p:spPr>
           <a:xfrm>
             <a:off x="1554192" y="508958"/>
-            <a:ext cx="9083615" cy="523220"/>
+            <a:ext cx="9083615" cy="738664"/>
           </a:xfrm>
           <a:prstGeom prst="rect">
             <a:avLst/>
@@ -5389,6 +5909,9 @@
             </a:r>
           </a:p>
           <a:p>
+            <a:endParaRPr lang="fr-FR" sz="1400" dirty="0"/>
+          </a:p>
+          <a:p>
             <a:r>
               <a:rPr lang="fr-FR" sz="1400" dirty="0"/>
               <a:t>Personnel		</a:t>
@@ -5418,7 +5941,7 @@
         </p:nvSpPr>
         <p:spPr>
           <a:xfrm>
-            <a:off x="1626559" y="4257529"/>
+            <a:off x="1626559" y="4542201"/>
             <a:ext cx="9208218" cy="276999"/>
           </a:xfrm>
           <a:prstGeom prst="rect">
@@ -5443,6 +5966,741 @@
               </a:rPr>
               <a:t>0     1     2     3</a:t>
             </a:r>
+          </a:p>
+        </p:txBody>
+      </p:sp>
+      <p:sp>
+        <p:nvSpPr>
+          <p:cNvPr id="2" name="Rectangle : coins arrondis 1">
+            <a:extLst>
+              <a:ext uri="{FF2B5EF4-FFF2-40B4-BE49-F238E27FC236}">
+                <a16:creationId xmlns:a16="http://schemas.microsoft.com/office/drawing/2014/main" id="{BF1122D3-89DA-803E-03A5-B63E04E130D2}"/>
+              </a:ext>
+            </a:extLst>
+          </p:cNvPr>
+          <p:cNvSpPr/>
+          <p:nvPr/>
+        </p:nvSpPr>
+        <p:spPr>
+          <a:xfrm>
+            <a:off x="8781686" y="2208364"/>
+            <a:ext cx="1035170" cy="274635"/>
+          </a:xfrm>
+          <a:prstGeom prst="roundRect">
+            <a:avLst/>
+          </a:prstGeom>
+          <a:solidFill>
+            <a:srgbClr val="E3951F"/>
+          </a:solidFill>
+          <a:ln>
+            <a:noFill/>
+          </a:ln>
+        </p:spPr>
+        <p:style>
+          <a:lnRef idx="2">
+            <a:schemeClr val="accent1">
+              <a:shade val="15000"/>
+            </a:schemeClr>
+          </a:lnRef>
+          <a:fillRef idx="1">
+            <a:schemeClr val="accent1"/>
+          </a:fillRef>
+          <a:effectRef idx="0">
+            <a:schemeClr val="accent1"/>
+          </a:effectRef>
+          <a:fontRef idx="minor">
+            <a:schemeClr val="lt1"/>
+          </a:fontRef>
+        </p:style>
+        <p:txBody>
+          <a:bodyPr rtlCol="0" anchor="ctr"/>
+          <a:lstStyle/>
+          <a:p>
+            <a:pPr algn="ctr"/>
+            <a:r>
+              <a:rPr lang="fr-FR" sz="1200" dirty="0"/>
+              <a:t>CHANGER</a:t>
+            </a:r>
+            <a:endParaRPr lang="fr-FR" dirty="0"/>
+          </a:p>
+        </p:txBody>
+      </p:sp>
+      <p:sp>
+        <p:nvSpPr>
+          <p:cNvPr id="5" name="Rectangle : coins arrondis 4">
+            <a:extLst>
+              <a:ext uri="{FF2B5EF4-FFF2-40B4-BE49-F238E27FC236}">
+                <a16:creationId xmlns:a16="http://schemas.microsoft.com/office/drawing/2014/main" id="{EF5657B1-8805-B318-D846-87454EBF4868}"/>
+              </a:ext>
+            </a:extLst>
+          </p:cNvPr>
+          <p:cNvSpPr/>
+          <p:nvPr/>
+        </p:nvSpPr>
+        <p:spPr>
+          <a:xfrm>
+            <a:off x="8781686" y="2592926"/>
+            <a:ext cx="1035170" cy="274635"/>
+          </a:xfrm>
+          <a:prstGeom prst="roundRect">
+            <a:avLst/>
+          </a:prstGeom>
+          <a:solidFill>
+            <a:srgbClr val="E3951F"/>
+          </a:solidFill>
+          <a:ln>
+            <a:noFill/>
+          </a:ln>
+        </p:spPr>
+        <p:style>
+          <a:lnRef idx="2">
+            <a:schemeClr val="accent1">
+              <a:shade val="15000"/>
+            </a:schemeClr>
+          </a:lnRef>
+          <a:fillRef idx="1">
+            <a:schemeClr val="accent1"/>
+          </a:fillRef>
+          <a:effectRef idx="0">
+            <a:schemeClr val="accent1"/>
+          </a:effectRef>
+          <a:fontRef idx="minor">
+            <a:schemeClr val="lt1"/>
+          </a:fontRef>
+        </p:style>
+        <p:txBody>
+          <a:bodyPr rtlCol="0" anchor="ctr"/>
+          <a:lstStyle/>
+          <a:p>
+            <a:pPr algn="ctr"/>
+            <a:r>
+              <a:rPr lang="fr-FR" sz="1200" dirty="0"/>
+              <a:t>CHANGER</a:t>
+            </a:r>
+            <a:endParaRPr lang="fr-FR" dirty="0"/>
+          </a:p>
+        </p:txBody>
+      </p:sp>
+      <p:sp>
+        <p:nvSpPr>
+          <p:cNvPr id="7" name="Rectangle : coins arrondis 6">
+            <a:extLst>
+              <a:ext uri="{FF2B5EF4-FFF2-40B4-BE49-F238E27FC236}">
+                <a16:creationId xmlns:a16="http://schemas.microsoft.com/office/drawing/2014/main" id="{510AF970-8045-1299-10A5-67A38123C8E0}"/>
+              </a:ext>
+            </a:extLst>
+          </p:cNvPr>
+          <p:cNvSpPr/>
+          <p:nvPr/>
+        </p:nvSpPr>
+        <p:spPr>
+          <a:xfrm>
+            <a:off x="8781686" y="2975604"/>
+            <a:ext cx="1035170" cy="274635"/>
+          </a:xfrm>
+          <a:prstGeom prst="roundRect">
+            <a:avLst/>
+          </a:prstGeom>
+          <a:solidFill>
+            <a:srgbClr val="E3951F"/>
+          </a:solidFill>
+          <a:ln>
+            <a:noFill/>
+          </a:ln>
+        </p:spPr>
+        <p:style>
+          <a:lnRef idx="2">
+            <a:schemeClr val="accent1">
+              <a:shade val="15000"/>
+            </a:schemeClr>
+          </a:lnRef>
+          <a:fillRef idx="1">
+            <a:schemeClr val="accent1"/>
+          </a:fillRef>
+          <a:effectRef idx="0">
+            <a:schemeClr val="accent1"/>
+          </a:effectRef>
+          <a:fontRef idx="minor">
+            <a:schemeClr val="lt1"/>
+          </a:fontRef>
+        </p:style>
+        <p:txBody>
+          <a:bodyPr rtlCol="0" anchor="ctr"/>
+          <a:lstStyle/>
+          <a:p>
+            <a:pPr algn="ctr"/>
+            <a:r>
+              <a:rPr lang="fr-FR" sz="1200" dirty="0"/>
+              <a:t>CHANGER</a:t>
+            </a:r>
+            <a:endParaRPr lang="fr-FR" dirty="0"/>
+          </a:p>
+        </p:txBody>
+      </p:sp>
+      <p:sp>
+        <p:nvSpPr>
+          <p:cNvPr id="13" name="Rectangle : coins arrondis 12">
+            <a:extLst>
+              <a:ext uri="{FF2B5EF4-FFF2-40B4-BE49-F238E27FC236}">
+                <a16:creationId xmlns:a16="http://schemas.microsoft.com/office/drawing/2014/main" id="{76AE9E4A-FB54-70C8-222A-9682AB7F7FBF}"/>
+              </a:ext>
+            </a:extLst>
+          </p:cNvPr>
+          <p:cNvSpPr/>
+          <p:nvPr/>
+        </p:nvSpPr>
+        <p:spPr>
+          <a:xfrm>
+            <a:off x="8781686" y="3391411"/>
+            <a:ext cx="1035170" cy="274635"/>
+          </a:xfrm>
+          <a:prstGeom prst="roundRect">
+            <a:avLst/>
+          </a:prstGeom>
+          <a:solidFill>
+            <a:srgbClr val="E3951F"/>
+          </a:solidFill>
+          <a:ln>
+            <a:noFill/>
+          </a:ln>
+        </p:spPr>
+        <p:style>
+          <a:lnRef idx="2">
+            <a:schemeClr val="accent1">
+              <a:shade val="15000"/>
+            </a:schemeClr>
+          </a:lnRef>
+          <a:fillRef idx="1">
+            <a:schemeClr val="accent1"/>
+          </a:fillRef>
+          <a:effectRef idx="0">
+            <a:schemeClr val="accent1"/>
+          </a:effectRef>
+          <a:fontRef idx="minor">
+            <a:schemeClr val="lt1"/>
+          </a:fontRef>
+        </p:style>
+        <p:txBody>
+          <a:bodyPr rtlCol="0" anchor="ctr"/>
+          <a:lstStyle/>
+          <a:p>
+            <a:pPr algn="ctr"/>
+            <a:r>
+              <a:rPr lang="fr-FR" sz="1200" dirty="0"/>
+              <a:t>CHANGER</a:t>
+            </a:r>
+            <a:endParaRPr lang="fr-FR" dirty="0"/>
+          </a:p>
+        </p:txBody>
+      </p:sp>
+      <p:sp>
+        <p:nvSpPr>
+          <p:cNvPr id="14" name="Rectangle : coins arrondis 13">
+            <a:extLst>
+              <a:ext uri="{FF2B5EF4-FFF2-40B4-BE49-F238E27FC236}">
+                <a16:creationId xmlns:a16="http://schemas.microsoft.com/office/drawing/2014/main" id="{3080854F-0937-10B5-113B-97404D56ADF2}"/>
+              </a:ext>
+            </a:extLst>
+          </p:cNvPr>
+          <p:cNvSpPr/>
+          <p:nvPr/>
+        </p:nvSpPr>
+        <p:spPr>
+          <a:xfrm>
+            <a:off x="8781686" y="3807218"/>
+            <a:ext cx="1035170" cy="274635"/>
+          </a:xfrm>
+          <a:prstGeom prst="roundRect">
+            <a:avLst/>
+          </a:prstGeom>
+          <a:solidFill>
+            <a:srgbClr val="E3951F"/>
+          </a:solidFill>
+          <a:ln>
+            <a:noFill/>
+          </a:ln>
+        </p:spPr>
+        <p:style>
+          <a:lnRef idx="2">
+            <a:schemeClr val="accent1">
+              <a:shade val="15000"/>
+            </a:schemeClr>
+          </a:lnRef>
+          <a:fillRef idx="1">
+            <a:schemeClr val="accent1"/>
+          </a:fillRef>
+          <a:effectRef idx="0">
+            <a:schemeClr val="accent1"/>
+          </a:effectRef>
+          <a:fontRef idx="minor">
+            <a:schemeClr val="lt1"/>
+          </a:fontRef>
+        </p:style>
+        <p:txBody>
+          <a:bodyPr rtlCol="0" anchor="ctr"/>
+          <a:lstStyle/>
+          <a:p>
+            <a:pPr algn="ctr"/>
+            <a:r>
+              <a:rPr lang="fr-FR" sz="1200" dirty="0"/>
+              <a:t>CHANGER</a:t>
+            </a:r>
+            <a:endParaRPr lang="fr-FR" dirty="0"/>
+          </a:p>
+        </p:txBody>
+      </p:sp>
+      <p:sp>
+        <p:nvSpPr>
+          <p:cNvPr id="15" name="Rectangle : coins arrondis 14">
+            <a:extLst>
+              <a:ext uri="{FF2B5EF4-FFF2-40B4-BE49-F238E27FC236}">
+                <a16:creationId xmlns:a16="http://schemas.microsoft.com/office/drawing/2014/main" id="{2D825DEB-CEBD-2E87-C382-7314B8A4ACB9}"/>
+              </a:ext>
+            </a:extLst>
+          </p:cNvPr>
+          <p:cNvSpPr/>
+          <p:nvPr/>
+        </p:nvSpPr>
+        <p:spPr>
+          <a:xfrm>
+            <a:off x="8781686" y="4170057"/>
+            <a:ext cx="1035170" cy="274635"/>
+          </a:xfrm>
+          <a:prstGeom prst="roundRect">
+            <a:avLst/>
+          </a:prstGeom>
+          <a:solidFill>
+            <a:srgbClr val="E3951F"/>
+          </a:solidFill>
+          <a:ln>
+            <a:noFill/>
+          </a:ln>
+        </p:spPr>
+        <p:style>
+          <a:lnRef idx="2">
+            <a:schemeClr val="accent1">
+              <a:shade val="15000"/>
+            </a:schemeClr>
+          </a:lnRef>
+          <a:fillRef idx="1">
+            <a:schemeClr val="accent1"/>
+          </a:fillRef>
+          <a:effectRef idx="0">
+            <a:schemeClr val="accent1"/>
+          </a:effectRef>
+          <a:fontRef idx="minor">
+            <a:schemeClr val="lt1"/>
+          </a:fontRef>
+        </p:style>
+        <p:txBody>
+          <a:bodyPr rtlCol="0" anchor="ctr"/>
+          <a:lstStyle/>
+          <a:p>
+            <a:pPr algn="ctr"/>
+            <a:r>
+              <a:rPr lang="fr-FR" sz="1200" dirty="0"/>
+              <a:t>CHANGER</a:t>
+            </a:r>
+            <a:endParaRPr lang="fr-FR" dirty="0"/>
+          </a:p>
+        </p:txBody>
+      </p:sp>
+      <p:sp>
+        <p:nvSpPr>
+          <p:cNvPr id="16" name="Rectangle : coins arrondis 15">
+            <a:extLst>
+              <a:ext uri="{FF2B5EF4-FFF2-40B4-BE49-F238E27FC236}">
+                <a16:creationId xmlns:a16="http://schemas.microsoft.com/office/drawing/2014/main" id="{00ACA22F-0B2E-311C-2688-13573C92FA95}"/>
+              </a:ext>
+            </a:extLst>
+          </p:cNvPr>
+          <p:cNvSpPr/>
+          <p:nvPr/>
+        </p:nvSpPr>
+        <p:spPr>
+          <a:xfrm>
+            <a:off x="10100571" y="2208363"/>
+            <a:ext cx="450492" cy="274635"/>
+          </a:xfrm>
+          <a:prstGeom prst="roundRect">
+            <a:avLst/>
+          </a:prstGeom>
+          <a:solidFill>
+            <a:schemeClr val="accent2">
+              <a:lumMod val="75000"/>
+            </a:schemeClr>
+          </a:solidFill>
+          <a:ln>
+            <a:noFill/>
+          </a:ln>
+        </p:spPr>
+        <p:style>
+          <a:lnRef idx="2">
+            <a:schemeClr val="accent1">
+              <a:shade val="15000"/>
+            </a:schemeClr>
+          </a:lnRef>
+          <a:fillRef idx="1">
+            <a:schemeClr val="accent1"/>
+          </a:fillRef>
+          <a:effectRef idx="0">
+            <a:schemeClr val="accent1"/>
+          </a:effectRef>
+          <a:fontRef idx="minor">
+            <a:schemeClr val="lt1"/>
+          </a:fontRef>
+        </p:style>
+        <p:txBody>
+          <a:bodyPr rtlCol="0" anchor="ctr"/>
+          <a:lstStyle/>
+          <a:p>
+            <a:pPr algn="ctr"/>
+            <a:r>
+              <a:rPr lang="fr-FR" dirty="0">
+                <a:sym typeface="Wingdings 2" panose="05020102010507070707" pitchFamily="18" charset="2"/>
+              </a:rPr>
+              <a:t></a:t>
+            </a:r>
+            <a:endParaRPr lang="fr-FR" dirty="0"/>
+          </a:p>
+        </p:txBody>
+      </p:sp>
+      <p:pic>
+        <p:nvPicPr>
+          <p:cNvPr id="23" name="Graphique 22">
+            <a:extLst>
+              <a:ext uri="{FF2B5EF4-FFF2-40B4-BE49-F238E27FC236}">
+                <a16:creationId xmlns:a16="http://schemas.microsoft.com/office/drawing/2014/main" id="{6DAD697E-1592-B54F-68CE-2EE52854916D}"/>
+              </a:ext>
+            </a:extLst>
+          </p:cNvPr>
+          <p:cNvPicPr>
+            <a:picLocks noChangeAspect="1"/>
+          </p:cNvPicPr>
+          <p:nvPr/>
+        </p:nvPicPr>
+        <p:blipFill>
+          <a:blip r:embed="rId2">
+            <a:extLst>
+              <a:ext uri="{28A0092B-C50C-407E-A947-70E740481C1C}">
+                <a14:useLocalDpi xmlns:a14="http://schemas.microsoft.com/office/drawing/2010/main" val="0"/>
+              </a:ext>
+              <a:ext uri="{96DAC541-7B7A-43D3-8B79-37D633B846F1}">
+                <asvg:svgBlip xmlns:asvg="http://schemas.microsoft.com/office/drawing/2016/SVG/main" r:embed="rId3"/>
+              </a:ext>
+            </a:extLst>
+          </a:blip>
+          <a:stretch>
+            <a:fillRect/>
+          </a:stretch>
+        </p:blipFill>
+        <p:spPr>
+          <a:xfrm>
+            <a:off x="6235460" y="3362525"/>
+            <a:ext cx="66322" cy="152400"/>
+          </a:xfrm>
+          <a:prstGeom prst="rect">
+            <a:avLst/>
+          </a:prstGeom>
+        </p:spPr>
+      </p:pic>
+      <p:sp>
+        <p:nvSpPr>
+          <p:cNvPr id="24" name="Rectangle : coins arrondis 23">
+            <a:extLst>
+              <a:ext uri="{FF2B5EF4-FFF2-40B4-BE49-F238E27FC236}">
+                <a16:creationId xmlns:a16="http://schemas.microsoft.com/office/drawing/2014/main" id="{404914C1-42E1-199D-0145-91D54A06DB70}"/>
+              </a:ext>
+            </a:extLst>
+          </p:cNvPr>
+          <p:cNvSpPr/>
+          <p:nvPr/>
+        </p:nvSpPr>
+        <p:spPr>
+          <a:xfrm>
+            <a:off x="10100571" y="2592926"/>
+            <a:ext cx="450492" cy="274635"/>
+          </a:xfrm>
+          <a:prstGeom prst="roundRect">
+            <a:avLst/>
+          </a:prstGeom>
+          <a:solidFill>
+            <a:schemeClr val="accent2">
+              <a:lumMod val="75000"/>
+            </a:schemeClr>
+          </a:solidFill>
+          <a:ln>
+            <a:noFill/>
+          </a:ln>
+        </p:spPr>
+        <p:style>
+          <a:lnRef idx="2">
+            <a:schemeClr val="accent1">
+              <a:shade val="15000"/>
+            </a:schemeClr>
+          </a:lnRef>
+          <a:fillRef idx="1">
+            <a:schemeClr val="accent1"/>
+          </a:fillRef>
+          <a:effectRef idx="0">
+            <a:schemeClr val="accent1"/>
+          </a:effectRef>
+          <a:fontRef idx="minor">
+            <a:schemeClr val="lt1"/>
+          </a:fontRef>
+        </p:style>
+        <p:txBody>
+          <a:bodyPr rtlCol="0" anchor="ctr"/>
+          <a:lstStyle/>
+          <a:p>
+            <a:pPr algn="ctr"/>
+            <a:r>
+              <a:rPr lang="fr-FR" dirty="0">
+                <a:sym typeface="Wingdings 2" panose="05020102010507070707" pitchFamily="18" charset="2"/>
+              </a:rPr>
+              <a:t></a:t>
+            </a:r>
+            <a:endParaRPr lang="fr-FR" dirty="0"/>
+          </a:p>
+        </p:txBody>
+      </p:sp>
+      <p:sp>
+        <p:nvSpPr>
+          <p:cNvPr id="25" name="Rectangle : coins arrondis 24">
+            <a:extLst>
+              <a:ext uri="{FF2B5EF4-FFF2-40B4-BE49-F238E27FC236}">
+                <a16:creationId xmlns:a16="http://schemas.microsoft.com/office/drawing/2014/main" id="{75F0629A-66CD-F33F-BDCE-D016090AD84D}"/>
+              </a:ext>
+            </a:extLst>
+          </p:cNvPr>
+          <p:cNvSpPr/>
+          <p:nvPr/>
+        </p:nvSpPr>
+        <p:spPr>
+          <a:xfrm>
+            <a:off x="10100571" y="2975603"/>
+            <a:ext cx="450492" cy="274635"/>
+          </a:xfrm>
+          <a:prstGeom prst="roundRect">
+            <a:avLst/>
+          </a:prstGeom>
+          <a:solidFill>
+            <a:schemeClr val="accent2">
+              <a:lumMod val="75000"/>
+            </a:schemeClr>
+          </a:solidFill>
+          <a:ln>
+            <a:noFill/>
+          </a:ln>
+        </p:spPr>
+        <p:style>
+          <a:lnRef idx="2">
+            <a:schemeClr val="accent1">
+              <a:shade val="15000"/>
+            </a:schemeClr>
+          </a:lnRef>
+          <a:fillRef idx="1">
+            <a:schemeClr val="accent1"/>
+          </a:fillRef>
+          <a:effectRef idx="0">
+            <a:schemeClr val="accent1"/>
+          </a:effectRef>
+          <a:fontRef idx="minor">
+            <a:schemeClr val="lt1"/>
+          </a:fontRef>
+        </p:style>
+        <p:txBody>
+          <a:bodyPr rtlCol="0" anchor="ctr"/>
+          <a:lstStyle/>
+          <a:p>
+            <a:pPr algn="ctr"/>
+            <a:r>
+              <a:rPr lang="fr-FR" dirty="0">
+                <a:sym typeface="Wingdings 2" panose="05020102010507070707" pitchFamily="18" charset="2"/>
+              </a:rPr>
+              <a:t></a:t>
+            </a:r>
+            <a:endParaRPr lang="fr-FR" dirty="0"/>
+          </a:p>
+        </p:txBody>
+      </p:sp>
+      <p:sp>
+        <p:nvSpPr>
+          <p:cNvPr id="26" name="Rectangle : coins arrondis 25">
+            <a:extLst>
+              <a:ext uri="{FF2B5EF4-FFF2-40B4-BE49-F238E27FC236}">
+                <a16:creationId xmlns:a16="http://schemas.microsoft.com/office/drawing/2014/main" id="{C55F77E9-7E76-2D90-C32B-FBAC9897D8CC}"/>
+              </a:ext>
+            </a:extLst>
+          </p:cNvPr>
+          <p:cNvSpPr/>
+          <p:nvPr/>
+        </p:nvSpPr>
+        <p:spPr>
+          <a:xfrm>
+            <a:off x="10100571" y="3391515"/>
+            <a:ext cx="450492" cy="274635"/>
+          </a:xfrm>
+          <a:prstGeom prst="roundRect">
+            <a:avLst/>
+          </a:prstGeom>
+          <a:solidFill>
+            <a:schemeClr val="accent2">
+              <a:lumMod val="75000"/>
+            </a:schemeClr>
+          </a:solidFill>
+          <a:ln>
+            <a:noFill/>
+          </a:ln>
+        </p:spPr>
+        <p:style>
+          <a:lnRef idx="2">
+            <a:schemeClr val="accent1">
+              <a:shade val="15000"/>
+            </a:schemeClr>
+          </a:lnRef>
+          <a:fillRef idx="1">
+            <a:schemeClr val="accent1"/>
+          </a:fillRef>
+          <a:effectRef idx="0">
+            <a:schemeClr val="accent1"/>
+          </a:effectRef>
+          <a:fontRef idx="minor">
+            <a:schemeClr val="lt1"/>
+          </a:fontRef>
+        </p:style>
+        <p:txBody>
+          <a:bodyPr rtlCol="0" anchor="ctr"/>
+          <a:lstStyle/>
+          <a:p>
+            <a:pPr algn="ctr"/>
+            <a:r>
+              <a:rPr lang="fr-FR" dirty="0">
+                <a:sym typeface="Wingdings 2" panose="05020102010507070707" pitchFamily="18" charset="2"/>
+              </a:rPr>
+              <a:t></a:t>
+            </a:r>
+            <a:endParaRPr lang="fr-FR" dirty="0"/>
+          </a:p>
+        </p:txBody>
+      </p:sp>
+      <p:sp>
+        <p:nvSpPr>
+          <p:cNvPr id="27" name="Rectangle : coins arrondis 26">
+            <a:extLst>
+              <a:ext uri="{FF2B5EF4-FFF2-40B4-BE49-F238E27FC236}">
+                <a16:creationId xmlns:a16="http://schemas.microsoft.com/office/drawing/2014/main" id="{F931902A-FB2D-BECB-8E55-5C14257E317A}"/>
+              </a:ext>
+            </a:extLst>
+          </p:cNvPr>
+          <p:cNvSpPr/>
+          <p:nvPr/>
+        </p:nvSpPr>
+        <p:spPr>
+          <a:xfrm>
+            <a:off x="10100571" y="3800928"/>
+            <a:ext cx="450492" cy="274635"/>
+          </a:xfrm>
+          <a:prstGeom prst="roundRect">
+            <a:avLst/>
+          </a:prstGeom>
+          <a:solidFill>
+            <a:schemeClr val="accent2">
+              <a:lumMod val="75000"/>
+            </a:schemeClr>
+          </a:solidFill>
+          <a:ln>
+            <a:noFill/>
+          </a:ln>
+        </p:spPr>
+        <p:style>
+          <a:lnRef idx="2">
+            <a:schemeClr val="accent1">
+              <a:shade val="15000"/>
+            </a:schemeClr>
+          </a:lnRef>
+          <a:fillRef idx="1">
+            <a:schemeClr val="accent1"/>
+          </a:fillRef>
+          <a:effectRef idx="0">
+            <a:schemeClr val="accent1"/>
+          </a:effectRef>
+          <a:fontRef idx="minor">
+            <a:schemeClr val="lt1"/>
+          </a:fontRef>
+        </p:style>
+        <p:txBody>
+          <a:bodyPr rtlCol="0" anchor="ctr"/>
+          <a:lstStyle/>
+          <a:p>
+            <a:pPr algn="ctr"/>
+            <a:r>
+              <a:rPr lang="fr-FR" dirty="0">
+                <a:sym typeface="Wingdings 2" panose="05020102010507070707" pitchFamily="18" charset="2"/>
+              </a:rPr>
+              <a:t></a:t>
+            </a:r>
+            <a:endParaRPr lang="fr-FR" dirty="0"/>
+          </a:p>
+        </p:txBody>
+      </p:sp>
+      <p:sp>
+        <p:nvSpPr>
+          <p:cNvPr id="28" name="Rectangle : coins arrondis 27">
+            <a:extLst>
+              <a:ext uri="{FF2B5EF4-FFF2-40B4-BE49-F238E27FC236}">
+                <a16:creationId xmlns:a16="http://schemas.microsoft.com/office/drawing/2014/main" id="{ADFA02C9-474F-5B68-AF88-BC2559E54105}"/>
+              </a:ext>
+            </a:extLst>
+          </p:cNvPr>
+          <p:cNvSpPr/>
+          <p:nvPr/>
+        </p:nvSpPr>
+        <p:spPr>
+          <a:xfrm>
+            <a:off x="10100571" y="4170056"/>
+            <a:ext cx="450492" cy="274635"/>
+          </a:xfrm>
+          <a:prstGeom prst="roundRect">
+            <a:avLst/>
+          </a:prstGeom>
+          <a:solidFill>
+            <a:schemeClr val="accent2">
+              <a:lumMod val="75000"/>
+            </a:schemeClr>
+          </a:solidFill>
+          <a:ln>
+            <a:noFill/>
+          </a:ln>
+        </p:spPr>
+        <p:style>
+          <a:lnRef idx="2">
+            <a:schemeClr val="accent1">
+              <a:shade val="15000"/>
+            </a:schemeClr>
+          </a:lnRef>
+          <a:fillRef idx="1">
+            <a:schemeClr val="accent1"/>
+          </a:fillRef>
+          <a:effectRef idx="0">
+            <a:schemeClr val="accent1"/>
+          </a:effectRef>
+          <a:fontRef idx="minor">
+            <a:schemeClr val="lt1"/>
+          </a:fontRef>
+        </p:style>
+        <p:txBody>
+          <a:bodyPr rtlCol="0" anchor="ctr"/>
+          <a:lstStyle/>
+          <a:p>
+            <a:pPr algn="ctr"/>
+            <a:r>
+              <a:rPr lang="fr-FR" dirty="0">
+                <a:sym typeface="Wingdings 2" panose="05020102010507070707" pitchFamily="18" charset="2"/>
+              </a:rPr>
+              <a:t></a:t>
+            </a:r>
+            <a:endParaRPr lang="fr-FR" dirty="0"/>
           </a:p>
         </p:txBody>
       </p:sp>
